--- a/6Course/QMLTraining.pptx
+++ b/6Course/QMLTraining.pptx
@@ -5,25 +5,27 @@
     <p:sldMasterId id="2147483660" r:id="rId1"/>
   </p:sldMasterIdLst>
   <p:notesMasterIdLst>
-    <p:notesMasterId r:id="rId15"/>
+    <p:notesMasterId r:id="rId17"/>
   </p:notesMasterIdLst>
   <p:handoutMasterIdLst>
-    <p:handoutMasterId r:id="rId16"/>
+    <p:handoutMasterId r:id="rId18"/>
   </p:handoutMasterIdLst>
   <p:sldIdLst>
     <p:sldId id="757" r:id="rId2"/>
     <p:sldId id="779" r:id="rId3"/>
     <p:sldId id="785" r:id="rId4"/>
-    <p:sldId id="795" r:id="rId5"/>
-    <p:sldId id="796" r:id="rId6"/>
-    <p:sldId id="797" r:id="rId7"/>
-    <p:sldId id="798" r:id="rId8"/>
-    <p:sldId id="799" r:id="rId9"/>
-    <p:sldId id="801" r:id="rId10"/>
-    <p:sldId id="800" r:id="rId11"/>
-    <p:sldId id="802" r:id="rId12"/>
-    <p:sldId id="803" r:id="rId13"/>
-    <p:sldId id="758" r:id="rId14"/>
+    <p:sldId id="803" r:id="rId5"/>
+    <p:sldId id="804" r:id="rId6"/>
+    <p:sldId id="795" r:id="rId7"/>
+    <p:sldId id="796" r:id="rId8"/>
+    <p:sldId id="797" r:id="rId9"/>
+    <p:sldId id="798" r:id="rId10"/>
+    <p:sldId id="799" r:id="rId11"/>
+    <p:sldId id="801" r:id="rId12"/>
+    <p:sldId id="800" r:id="rId13"/>
+    <p:sldId id="802" r:id="rId14"/>
+    <p:sldId id="805" r:id="rId15"/>
+    <p:sldId id="758" r:id="rId16"/>
   </p:sldIdLst>
   <p:sldSz cx="9144000" cy="6858000" type="screen4x3"/>
   <p:notesSz cx="6858000" cy="9144000"/>
@@ -255,7 +257,7 @@
           <a:p>
             <a:fld id="{ABC76C8E-1089-44B5-8003-D2398D905FE9}" type="datetime1">
               <a:rPr lang="en-IN" smtClean="0"/>
-              <a:t>14-04-2020</a:t>
+              <a:t>27-05-2020</a:t>
             </a:fld>
             <a:endParaRPr lang="en-IN"/>
           </a:p>
@@ -433,7 +435,7 @@
           <a:p>
             <a:fld id="{149F8CC5-FCC3-4E34-8A5A-AEC86A2B4564}" type="datetime1">
               <a:rPr lang="en-IN" smtClean="0"/>
-              <a:t>14-04-2020</a:t>
+              <a:t>27-05-2020</a:t>
             </a:fld>
             <a:endParaRPr lang="en-IN" dirty="0"/>
           </a:p>
@@ -925,7 +927,7 @@
             <a:fld id="{70FAA508-F0CD-46EA-95FB-26B559A0B5D9}" type="datetimeFigureOut">
               <a:rPr lang="en-US" smtClean="0"/>
               <a:pPr/>
-              <a:t>4/14/2020</a:t>
+              <a:t>5/27/2020</a:t>
             </a:fld>
             <a:endParaRPr lang="en-US" dirty="0"/>
           </a:p>
@@ -1390,7 +1392,7 @@
             <a:fld id="{70FAA508-F0CD-46EA-95FB-26B559A0B5D9}" type="datetimeFigureOut">
               <a:rPr lang="en-US" smtClean="0"/>
               <a:pPr/>
-              <a:t>4/14/2020</a:t>
+              <a:t>5/27/2020</a:t>
             </a:fld>
             <a:endParaRPr lang="en-US" dirty="0"/>
           </a:p>
@@ -2403,7 +2405,7 @@
             <a:fld id="{70FAA508-F0CD-46EA-95FB-26B559A0B5D9}" type="datetimeFigureOut">
               <a:rPr lang="en-US" smtClean="0"/>
               <a:pPr/>
-              <a:t>4/14/2020</a:t>
+              <a:t>5/27/2020</a:t>
             </a:fld>
             <a:endParaRPr lang="en-US" dirty="0"/>
           </a:p>
@@ -3076,7 +3078,7 @@
                   </a:outerShdw>
                 </a:effectLst>
               </a:rPr>
-              <a:t>QML Mouse Events</a:t>
+              <a:t>Positioning with Anchors</a:t>
             </a:r>
           </a:p>
           <a:p>
@@ -3113,8 +3115,8 @@
         </p:nvSpPr>
         <p:spPr bwMode="auto">
           <a:xfrm>
-            <a:off x="275321" y="1527171"/>
-            <a:ext cx="8593357" cy="2431435"/>
+            <a:off x="275321" y="1607183"/>
+            <a:ext cx="8593357" cy="1107996"/>
           </a:xfrm>
           <a:prstGeom prst="rect">
             <a:avLst/>
@@ -3292,112 +3294,80 @@
             <a:pPr lvl="0"/>
             <a:r>
               <a:rPr lang="en-IN" dirty="0"/>
-              <a:t>QML uses signals and handlers to deliver mouse interactions. Specifically, the </a:t>
+              <a:t>In addition to the more traditional Grid, Row, and Column, Qt Quick also provides a way to layout items using the concept of anchors. Each item can be thought of as having a set of 7 invisible "anchor lines": left, </a:t>
             </a:r>
             <a:r>
               <a:rPr lang="en-IN" dirty="0" err="1"/>
-              <a:t>MouseArea</a:t>
+              <a:t>horizontalCenter</a:t>
             </a:r>
             <a:r>
               <a:rPr lang="en-IN" dirty="0"/>
-              <a:t> and </a:t>
+              <a:t>, right, top, </a:t>
             </a:r>
             <a:r>
               <a:rPr lang="en-IN" dirty="0" err="1"/>
-              <a:t>MouseEvent</a:t>
+              <a:t>verticalCenter</a:t>
             </a:r>
             <a:r>
               <a:rPr lang="en-IN" dirty="0"/>
-              <a:t> elements provide QML components with signal handlers to accept mouse events within a defined area.</a:t>
-            </a:r>
-          </a:p>
-          <a:p>
-            <a:pPr lvl="0"/>
-            <a:endParaRPr lang="en-IN" dirty="0"/>
-          </a:p>
-          <a:p>
-            <a:pPr lvl="0"/>
-            <a:r>
-              <a:rPr lang="en-IN" dirty="0"/>
-              <a:t>The </a:t>
-            </a:r>
-            <a:r>
-              <a:rPr lang="en-IN" dirty="0" err="1"/>
-              <a:t>MouseArea</a:t>
-            </a:r>
-            <a:r>
-              <a:rPr lang="en-IN" dirty="0"/>
-              <a:t> element receives events within a defined area. One quick way to define this area is to anchor the </a:t>
-            </a:r>
-            <a:r>
-              <a:rPr lang="en-IN" dirty="0" err="1"/>
-              <a:t>MouseArea</a:t>
-            </a:r>
-            <a:r>
-              <a:rPr lang="en-IN" dirty="0"/>
-              <a:t> to its parent's area using the </a:t>
-            </a:r>
-            <a:r>
-              <a:rPr lang="en-IN" dirty="0" err="1"/>
-              <a:t>anchors.fill</a:t>
-            </a:r>
-            <a:r>
-              <a:rPr lang="en-IN" dirty="0"/>
-              <a:t> property.</a:t>
-            </a:r>
-            <a:endParaRPr lang="pt-BR" altLang="en-US" sz="1600" dirty="0">
-              <a:latin typeface="+mj-lt"/>
-            </a:endParaRPr>
-          </a:p>
-          <a:p>
-            <a:pPr marL="0" marR="0" lvl="0" indent="0" algn="l" defTabSz="914400" rtl="0" eaLnBrk="0" fontAlgn="base" latinLnBrk="0" hangingPunct="0">
-              <a:lnSpc>
-                <a:spcPct val="100000"/>
-              </a:lnSpc>
-              <a:spcBef>
-                <a:spcPct val="0"/>
-              </a:spcBef>
-              <a:spcAft>
-                <a:spcPct val="0"/>
-              </a:spcAft>
-              <a:buClrTx/>
-              <a:buSzTx/>
-              <a:buFontTx/>
-              <a:buNone/>
-              <a:tabLst/>
-            </a:pPr>
-            <a:endParaRPr kumimoji="0" lang="pt-BR" altLang="en-US" sz="1600" b="0" i="0" u="none" strike="noStrike" cap="none" normalizeH="0" baseline="0" dirty="0">
-              <a:ln>
-                <a:noFill/>
-              </a:ln>
-              <a:solidFill>
-                <a:schemeClr val="tx1"/>
-              </a:solidFill>
-              <a:effectLst/>
-              <a:latin typeface="+mj-lt"/>
-            </a:endParaRPr>
-          </a:p>
-          <a:p>
-            <a:pPr lvl="0"/>
-            <a:endParaRPr kumimoji="0" lang="en-US" altLang="en-US" sz="1600" b="0" i="0" u="none" strike="noStrike" cap="none" normalizeH="0" baseline="0" dirty="0">
-              <a:ln>
-                <a:noFill/>
-              </a:ln>
-              <a:solidFill>
-                <a:schemeClr val="tx1"/>
-              </a:solidFill>
-              <a:effectLst/>
-              <a:latin typeface="+mj-lt"/>
-            </a:endParaRPr>
+              <a:t>, baseline, and bottom.</a:t>
+            </a:r>
           </a:p>
         </p:txBody>
       </p:sp>
+      <p:pic>
+        <p:nvPicPr>
+          <p:cNvPr id="4098" name="Picture 2">
+            <a:extLst>
+              <a:ext uri="{FF2B5EF4-FFF2-40B4-BE49-F238E27FC236}">
+                <a16:creationId xmlns:a16="http://schemas.microsoft.com/office/drawing/2014/main" id="{4659E157-D7D4-46F0-B225-C86CE804A97D}"/>
+              </a:ext>
+            </a:extLst>
+          </p:cNvPr>
+          <p:cNvPicPr>
+            <a:picLocks noChangeAspect="1" noChangeArrowheads="1"/>
+          </p:cNvPicPr>
+          <p:nvPr/>
+        </p:nvPicPr>
+        <p:blipFill>
+          <a:blip r:embed="rId2">
+            <a:extLst>
+              <a:ext uri="{28A0092B-C50C-407E-A947-70E740481C1C}">
+                <a14:useLocalDpi xmlns:a14="http://schemas.microsoft.com/office/drawing/2010/main" val="0"/>
+              </a:ext>
+            </a:extLst>
+          </a:blip>
+          <a:srcRect/>
+          <a:stretch>
+            <a:fillRect/>
+          </a:stretch>
+        </p:blipFill>
+        <p:spPr bwMode="auto">
+          <a:xfrm>
+            <a:off x="409574" y="3468715"/>
+            <a:ext cx="4162425" cy="2762250"/>
+          </a:xfrm>
+          <a:prstGeom prst="rect">
+            <a:avLst/>
+          </a:prstGeom>
+          <a:noFill/>
+          <a:extLst>
+            <a:ext uri="{909E8E84-426E-40DD-AFC4-6F175D3DCCD1}">
+              <a14:hiddenFill xmlns:a14="http://schemas.microsoft.com/office/drawing/2010/main">
+                <a:solidFill>
+                  <a:srgbClr val="FFFFFF"/>
+                </a:solidFill>
+              </a14:hiddenFill>
+            </a:ext>
+          </a:extLst>
+        </p:spPr>
+      </p:pic>
       <p:sp>
         <p:nvSpPr>
           <p:cNvPr id="3" name="TextBox 2">
             <a:extLst>
               <a:ext uri="{FF2B5EF4-FFF2-40B4-BE49-F238E27FC236}">
-                <a16:creationId xmlns:a16="http://schemas.microsoft.com/office/drawing/2014/main" id="{EAABC144-05E8-4D8C-A183-8F87AEE49BBD}"/>
+                <a16:creationId xmlns:a16="http://schemas.microsoft.com/office/drawing/2014/main" id="{711CC8A7-83D5-4435-9904-977FF6690FB6}"/>
               </a:ext>
             </a:extLst>
           </p:cNvPr>
@@ -3406,8 +3376,8 @@
         </p:nvSpPr>
         <p:spPr>
           <a:xfrm>
-            <a:off x="335560" y="3833769"/>
-            <a:ext cx="4160617" cy="2277547"/>
+            <a:off x="4887850" y="3020037"/>
+            <a:ext cx="3846576" cy="1754326"/>
           </a:xfrm>
           <a:prstGeom prst="rect">
             <a:avLst/>
@@ -3421,225 +3391,101 @@
           <a:lstStyle/>
           <a:p>
             <a:r>
-              <a:rPr lang="en-IN" sz="1200" dirty="0"/>
-              <a:t>Rectangle {</a:t>
-            </a:r>
-          </a:p>
-          <a:p>
-            <a:r>
-              <a:rPr lang="en-IN" sz="1200" dirty="0"/>
-              <a:t>    id: button1</a:t>
-            </a:r>
-          </a:p>
-          <a:p>
-            <a:r>
-              <a:rPr lang="en-IN" sz="1200" dirty="0"/>
-              <a:t>    width: 100</a:t>
-            </a:r>
-          </a:p>
-          <a:p>
-            <a:r>
-              <a:rPr lang="en-IN" sz="1200" dirty="0"/>
-              <a:t>    height: 100</a:t>
-            </a:r>
-          </a:p>
-          <a:p>
-            <a:endParaRPr lang="en-IN" sz="1200" dirty="0"/>
-          </a:p>
-          <a:p>
-            <a:r>
-              <a:rPr lang="en-IN" sz="1200" dirty="0"/>
-              <a:t>    </a:t>
-            </a:r>
-            <a:r>
-              <a:rPr lang="en-IN" sz="1200" dirty="0" err="1"/>
-              <a:t>MouseArea</a:t>
-            </a:r>
-            <a:r>
-              <a:rPr lang="en-IN" sz="1200" dirty="0"/>
-              <a:t> {</a:t>
-            </a:r>
-          </a:p>
-          <a:p>
-            <a:r>
-              <a:rPr lang="en-IN" sz="1200" dirty="0"/>
-              <a:t>        </a:t>
-            </a:r>
-            <a:r>
-              <a:rPr lang="en-IN" sz="1200" dirty="0" err="1"/>
-              <a:t>anchors.fill</a:t>
-            </a:r>
-            <a:r>
-              <a:rPr lang="en-IN" sz="1200" dirty="0"/>
-              <a:t>: parent</a:t>
-            </a:r>
-          </a:p>
-          <a:p>
-            <a:r>
-              <a:rPr lang="en-IN" sz="1200" dirty="0"/>
-              <a:t>        </a:t>
-            </a:r>
-            <a:r>
-              <a:rPr lang="en-IN" sz="1200" dirty="0" err="1"/>
-              <a:t>onClicked</a:t>
-            </a:r>
-            <a:r>
-              <a:rPr lang="en-IN" sz="1200" dirty="0"/>
-              <a:t>: console.log("button clicked")</a:t>
-            </a:r>
-          </a:p>
-          <a:p>
-            <a:r>
-              <a:rPr lang="en-IN" sz="1200" dirty="0"/>
-              <a:t>    }</a:t>
-            </a:r>
-          </a:p>
-          <a:p>
-            <a:r>
-              <a:rPr lang="en-IN" sz="1200" dirty="0"/>
+              <a:rPr lang="en-IN" dirty="0"/>
+              <a:t>Rectangle { id: rect1; ... }</a:t>
+            </a:r>
+          </a:p>
+          <a:p>
+            <a:r>
+              <a:rPr lang="en-IN" dirty="0"/>
+              <a:t>Rectangle { </a:t>
+            </a:r>
+          </a:p>
+          <a:p>
+            <a:r>
+              <a:rPr lang="en-IN" dirty="0"/>
+              <a:t>  id: rect2; </a:t>
+            </a:r>
+          </a:p>
+          <a:p>
+            <a:r>
+              <a:rPr lang="en-IN" dirty="0"/>
               <a:t>  </a:t>
             </a:r>
-          </a:p>
-          <a:p>
-            <a:r>
-              <a:rPr lang="en-IN" sz="1200" dirty="0"/>
-              <a:t>}</a:t>
-            </a:r>
-          </a:p>
-          <a:p>
-            <a:endParaRPr lang="en-IN" sz="1000" dirty="0"/>
+            <a:r>
+              <a:rPr lang="en-IN" dirty="0" err="1"/>
+              <a:t>anchors.left</a:t>
+            </a:r>
+            <a:r>
+              <a:rPr lang="en-IN" dirty="0"/>
+              <a:t>: rect1.right; </a:t>
+            </a:r>
+          </a:p>
+          <a:p>
+            <a:r>
+              <a:rPr lang="en-IN" dirty="0"/>
+              <a:t>  ...</a:t>
+            </a:r>
+          </a:p>
+          <a:p>
+            <a:r>
+              <a:rPr lang="en-IN" dirty="0"/>
+              <a:t>} </a:t>
+            </a:r>
           </a:p>
         </p:txBody>
       </p:sp>
-      <p:sp>
-        <p:nvSpPr>
-          <p:cNvPr id="5" name="TextBox 4">
+      <p:pic>
+        <p:nvPicPr>
+          <p:cNvPr id="4102" name="Picture 6">
             <a:extLst>
               <a:ext uri="{FF2B5EF4-FFF2-40B4-BE49-F238E27FC236}">
-                <a16:creationId xmlns:a16="http://schemas.microsoft.com/office/drawing/2014/main" id="{7674BA95-1C35-4D6F-922E-6D7EB7057B48}"/>
+                <a16:creationId xmlns:a16="http://schemas.microsoft.com/office/drawing/2014/main" id="{B2A16EDD-61B5-43AF-BB88-2657B7FE5FFC}"/>
               </a:ext>
             </a:extLst>
           </p:cNvPr>
-          <p:cNvSpPr txBox="1"/>
+          <p:cNvPicPr>
+            <a:picLocks noChangeAspect="1" noChangeArrowheads="1"/>
+          </p:cNvPicPr>
           <p:nvPr/>
-        </p:nvSpPr>
-        <p:spPr>
+        </p:nvPicPr>
+        <p:blipFill>
+          <a:blip r:embed="rId3">
+            <a:extLst>
+              <a:ext uri="{28A0092B-C50C-407E-A947-70E740481C1C}">
+                <a14:useLocalDpi xmlns:a14="http://schemas.microsoft.com/office/drawing/2010/main" val="0"/>
+              </a:ext>
+            </a:extLst>
+          </a:blip>
+          <a:srcRect/>
+          <a:stretch>
+            <a:fillRect/>
+          </a:stretch>
+        </p:blipFill>
+        <p:spPr bwMode="auto">
           <a:xfrm>
-            <a:off x="4182670" y="4025333"/>
-            <a:ext cx="4504888" cy="1754326"/>
+            <a:off x="4964907" y="5168799"/>
+            <a:ext cx="2009775" cy="1000125"/>
           </a:xfrm>
           <a:prstGeom prst="rect">
             <a:avLst/>
           </a:prstGeom>
           <a:noFill/>
+          <a:extLst>
+            <a:ext uri="{909E8E84-426E-40DD-AFC4-6F175D3DCCD1}">
+              <a14:hiddenFill xmlns:a14="http://schemas.microsoft.com/office/drawing/2010/main">
+                <a:solidFill>
+                  <a:srgbClr val="FFFFFF"/>
+                </a:solidFill>
+              </a14:hiddenFill>
+            </a:ext>
+          </a:extLst>
         </p:spPr>
-        <p:txBody>
-          <a:bodyPr wrap="square" rtlCol="0">
-            <a:spAutoFit/>
-          </a:bodyPr>
-          <a:lstStyle/>
-          <a:p>
-            <a:r>
-              <a:rPr lang="en-IN" sz="1200" dirty="0"/>
-              <a:t> </a:t>
-            </a:r>
-            <a:r>
-              <a:rPr lang="en-IN" sz="1200" dirty="0" err="1"/>
-              <a:t>MouseArea</a:t>
-            </a:r>
-            <a:r>
-              <a:rPr lang="en-IN" sz="1200" dirty="0"/>
-              <a:t> {</a:t>
-            </a:r>
-          </a:p>
-          <a:p>
-            <a:endParaRPr lang="en-IN" sz="1200" dirty="0"/>
-          </a:p>
-          <a:p>
-            <a:r>
-              <a:rPr lang="en-IN" sz="1200" dirty="0"/>
-              <a:t>        </a:t>
-            </a:r>
-            <a:r>
-              <a:rPr lang="en-IN" sz="1200" dirty="0" err="1"/>
-              <a:t>anchors.fill</a:t>
-            </a:r>
-            <a:r>
-              <a:rPr lang="en-IN" sz="1200" dirty="0"/>
-              <a:t>: parent</a:t>
-            </a:r>
-          </a:p>
-          <a:p>
-            <a:r>
-              <a:rPr lang="en-IN" sz="1200" dirty="0"/>
-              <a:t>        </a:t>
-            </a:r>
-            <a:r>
-              <a:rPr lang="en-IN" sz="1200" dirty="0" err="1"/>
-              <a:t>onClicked</a:t>
-            </a:r>
-            <a:r>
-              <a:rPr lang="en-IN" sz="1200" dirty="0"/>
-              <a:t>: console.log("area clicked")</a:t>
-            </a:r>
-          </a:p>
-          <a:p>
-            <a:r>
-              <a:rPr lang="en-IN" sz="1200" dirty="0"/>
-              <a:t>        </a:t>
-            </a:r>
-            <a:r>
-              <a:rPr lang="en-IN" sz="1200" dirty="0" err="1"/>
-              <a:t>onDoubleClicked</a:t>
-            </a:r>
-            <a:r>
-              <a:rPr lang="en-IN" sz="1200" dirty="0"/>
-              <a:t>: console.log("area double clicked")</a:t>
-            </a:r>
-          </a:p>
-          <a:p>
-            <a:r>
-              <a:rPr lang="en-IN" sz="1200" dirty="0"/>
-              <a:t>        </a:t>
-            </a:r>
-            <a:r>
-              <a:rPr lang="en-IN" sz="1200" dirty="0" err="1"/>
-              <a:t>onEntered</a:t>
-            </a:r>
-            <a:r>
-              <a:rPr lang="en-IN" sz="1200" dirty="0"/>
-              <a:t>: console.log("mouse entered the area")</a:t>
-            </a:r>
-          </a:p>
-          <a:p>
-            <a:r>
-              <a:rPr lang="en-IN" sz="1200" dirty="0"/>
-              <a:t>        </a:t>
-            </a:r>
-            <a:r>
-              <a:rPr lang="en-IN" sz="1200" dirty="0" err="1"/>
-              <a:t>onExited</a:t>
-            </a:r>
-            <a:r>
-              <a:rPr lang="en-IN" sz="1200" dirty="0"/>
-              <a:t>: console.log("mouse left the area")</a:t>
-            </a:r>
-          </a:p>
-          <a:p>
-            <a:endParaRPr lang="en-IN" sz="1200" dirty="0"/>
-          </a:p>
-          <a:p>
-            <a:r>
-              <a:rPr lang="en-IN" sz="1200" dirty="0"/>
-              <a:t>    }</a:t>
-            </a:r>
-          </a:p>
-        </p:txBody>
-      </p:sp>
+      </p:pic>
     </p:spTree>
     <p:extLst>
       <p:ext uri="{BB962C8B-B14F-4D97-AF65-F5344CB8AC3E}">
-        <p14:creationId xmlns:p14="http://schemas.microsoft.com/office/powerpoint/2010/main" val="987955835"/>
+        <p14:creationId xmlns:p14="http://schemas.microsoft.com/office/powerpoint/2010/main" val="3904587729"/>
       </p:ext>
     </p:extLst>
   </p:cSld>
@@ -3765,7 +3611,7 @@
         </p:nvSpPr>
         <p:spPr>
           <a:xfrm>
-            <a:off x="1202051" y="911769"/>
+            <a:off x="1202051" y="680936"/>
             <a:ext cx="5886645" cy="461666"/>
           </a:xfrm>
           <a:prstGeom prst="rect">
@@ -3781,7 +3627,7 @@
           <a:p>
             <a:pPr algn="ctr"/>
             <a:r>
-              <a:rPr lang="en-IN" sz="2800" dirty="0">
+              <a:rPr lang="en-US" sz="2800" dirty="0">
                 <a:ln w="0"/>
                 <a:effectLst>
                   <a:outerShdw blurRad="38100" dist="19050" dir="2700000" algn="tl" rotWithShape="0">
@@ -3791,18 +3637,8 @@
                   </a:outerShdw>
                 </a:effectLst>
               </a:rPr>
-              <a:t>Models and Views in Qt Quick</a:t>
-            </a:r>
-            <a:endParaRPr lang="en-US" sz="2800" dirty="0">
-              <a:ln w="0"/>
-              <a:effectLst>
-                <a:outerShdw blurRad="38100" dist="19050" dir="2700000" algn="tl" rotWithShape="0">
-                  <a:schemeClr val="dk1">
-                    <a:alpha val="40000"/>
-                  </a:schemeClr>
-                </a:outerShdw>
-              </a:effectLst>
-            </a:endParaRPr>
+              <a:t>Signals and Handlers</a:t>
+            </a:r>
           </a:p>
           <a:p>
             <a:pPr algn="ctr"/>
@@ -3838,8 +3674,8 @@
         </p:nvSpPr>
         <p:spPr bwMode="auto">
           <a:xfrm>
-            <a:off x="275321" y="1607183"/>
-            <a:ext cx="8593357" cy="1107996"/>
+            <a:off x="210312" y="1312111"/>
+            <a:ext cx="8593357" cy="1661993"/>
           </a:xfrm>
           <a:prstGeom prst="rect">
             <a:avLst/>
@@ -4017,7 +3853,33 @@
             <a:pPr lvl="0"/>
             <a:r>
               <a:rPr lang="en-IN" dirty="0"/>
-              <a:t>applications need to form data and display the data. Qt Quick has the notion of models, views, and delegates to display data. They modularize the visualization of data in order to give the developer or designer control over the different aspects of the data.</a:t>
+              <a:t>Signals provide a way to notify other objects when an event has occurred. For example, the </a:t>
+            </a:r>
+            <a:r>
+              <a:rPr lang="en-IN" dirty="0" err="1"/>
+              <a:t>MouseArea</a:t>
+            </a:r>
+            <a:r>
+              <a:rPr lang="en-IN" dirty="0"/>
+              <a:t> clicked signal notifies other objects that the mouse has been clicked within the area</a:t>
+            </a:r>
+          </a:p>
+          <a:p>
+            <a:pPr lvl="0"/>
+            <a:endParaRPr lang="en-IN" dirty="0"/>
+          </a:p>
+          <a:p>
+            <a:pPr lvl="0"/>
+            <a:r>
+              <a:rPr lang="en-IN" dirty="0"/>
+              <a:t>The syntax for defining a new signal is:</a:t>
+            </a:r>
+          </a:p>
+          <a:p>
+            <a:pPr lvl="0"/>
+            <a:r>
+              <a:rPr lang="en-IN" dirty="0"/>
+              <a:t>signal &lt;name&gt;[([&lt;type&gt; &lt;parameter name&gt;[, ...]])]</a:t>
             </a:r>
             <a:endParaRPr kumimoji="0" lang="en-US" altLang="en-US" sz="1600" b="0" i="0" u="none" strike="noStrike" cap="none" normalizeH="0" baseline="0" dirty="0">
               <a:ln>
@@ -4032,59 +3894,12 @@
           </a:p>
         </p:txBody>
       </p:sp>
-      <p:pic>
-        <p:nvPicPr>
-          <p:cNvPr id="5122" name="Picture 2">
-            <a:extLst>
-              <a:ext uri="{FF2B5EF4-FFF2-40B4-BE49-F238E27FC236}">
-                <a16:creationId xmlns:a16="http://schemas.microsoft.com/office/drawing/2014/main" id="{455EC1BC-3586-46CD-B73A-2673F340015D}"/>
-              </a:ext>
-            </a:extLst>
-          </p:cNvPr>
-          <p:cNvPicPr>
-            <a:picLocks noChangeAspect="1" noChangeArrowheads="1"/>
-          </p:cNvPicPr>
-          <p:nvPr/>
-        </p:nvPicPr>
-        <p:blipFill>
-          <a:blip r:embed="rId2">
-            <a:extLst>
-              <a:ext uri="{28A0092B-C50C-407E-A947-70E740481C1C}">
-                <a14:useLocalDpi xmlns:a14="http://schemas.microsoft.com/office/drawing/2010/main" val="0"/>
-              </a:ext>
-            </a:extLst>
-          </a:blip>
-          <a:srcRect/>
-          <a:stretch>
-            <a:fillRect/>
-          </a:stretch>
-        </p:blipFill>
-        <p:spPr bwMode="auto">
-          <a:xfrm>
-            <a:off x="547951" y="3498306"/>
-            <a:ext cx="2276475" cy="2447925"/>
-          </a:xfrm>
-          <a:prstGeom prst="rect">
-            <a:avLst/>
-          </a:prstGeom>
-          <a:noFill/>
-          <a:extLst>
-            <a:ext uri="{909E8E84-426E-40DD-AFC4-6F175D3DCCD1}">
-              <a14:hiddenFill xmlns:a14="http://schemas.microsoft.com/office/drawing/2010/main">
-                <a:solidFill>
-                  <a:srgbClr val="FFFFFF"/>
-                </a:solidFill>
-              </a14:hiddenFill>
-            </a:ext>
-          </a:extLst>
-        </p:spPr>
-      </p:pic>
       <p:sp>
         <p:nvSpPr>
           <p:cNvPr id="3" name="Rectangle 2">
             <a:extLst>
               <a:ext uri="{FF2B5EF4-FFF2-40B4-BE49-F238E27FC236}">
-                <a16:creationId xmlns:a16="http://schemas.microsoft.com/office/drawing/2014/main" id="{EEABA321-04F2-4C20-BBBE-A1B39350FEA7}"/>
+                <a16:creationId xmlns:a16="http://schemas.microsoft.com/office/drawing/2014/main" id="{127DC682-0921-4B04-8817-5708B89B24A9}"/>
               </a:ext>
             </a:extLst>
           </p:cNvPr>
@@ -4093,8 +3908,8 @@
         </p:nvSpPr>
         <p:spPr>
           <a:xfrm>
-            <a:off x="3284290" y="3297365"/>
-            <a:ext cx="5129868" cy="2862322"/>
+            <a:off x="275321" y="3054475"/>
+            <a:ext cx="4786312" cy="1015663"/>
           </a:xfrm>
           <a:prstGeom prst="rect">
             <a:avLst/>
@@ -4108,187 +3923,133 @@
           <a:p>
             <a:r>
               <a:rPr lang="en-IN" sz="1200" dirty="0"/>
-              <a:t> </a:t>
-            </a:r>
-            <a:r>
-              <a:rPr lang="en-IN" sz="1200" dirty="0" err="1"/>
-              <a:t>ListModel</a:t>
-            </a:r>
+              <a:t>Rectangle {</a:t>
+            </a:r>
+          </a:p>
+          <a:p>
             <a:r>
               <a:rPr lang="en-IN" sz="1200" dirty="0"/>
-              <a:t> {</a:t>
+              <a:t>    signal trigger</a:t>
             </a:r>
           </a:p>
           <a:p>
             <a:r>
               <a:rPr lang="en-IN" sz="1200" dirty="0"/>
-              <a:t>        id: </a:t>
-            </a:r>
-            <a:r>
-              <a:rPr lang="en-IN" sz="1200" dirty="0" err="1"/>
-              <a:t>todomodel</a:t>
-            </a:r>
-            <a:endParaRPr lang="en-IN" sz="1200" dirty="0"/>
+              <a:t>    signal send (string notice)</a:t>
+            </a:r>
           </a:p>
           <a:p>
             <a:r>
               <a:rPr lang="en-IN" sz="1200" dirty="0"/>
-              <a:t>        </a:t>
-            </a:r>
-            <a:r>
-              <a:rPr lang="en-IN" sz="1200" dirty="0" err="1"/>
-              <a:t>ListElement</a:t>
-            </a:r>
-            <a:r>
-              <a:rPr lang="en-IN" sz="1200" dirty="0"/>
-              <a:t> {done: </a:t>
-            </a:r>
-            <a:r>
-              <a:rPr lang="en-IN" sz="1200" dirty="0" err="1"/>
-              <a:t>false;description</a:t>
-            </a:r>
-            <a:r>
-              <a:rPr lang="en-IN" sz="1200" dirty="0"/>
-              <a:t>:"wash the car"}</a:t>
-            </a:r>
-          </a:p>
-          <a:p>
-            <a:r>
-              <a:rPr lang="en-IN" sz="1200" dirty="0"/>
-              <a:t>        </a:t>
-            </a:r>
-            <a:r>
-              <a:rPr lang="en-IN" sz="1200" dirty="0" err="1"/>
-              <a:t>ListElement</a:t>
-            </a:r>
-            <a:r>
-              <a:rPr lang="en-IN" sz="1200" dirty="0"/>
-              <a:t> {done: </a:t>
-            </a:r>
-            <a:r>
-              <a:rPr lang="en-IN" sz="1200" dirty="0" err="1"/>
-              <a:t>false;description</a:t>
-            </a:r>
-            <a:r>
-              <a:rPr lang="en-IN" sz="1200" dirty="0"/>
-              <a:t>:"Buy milk and vegetables"}</a:t>
-            </a:r>
-          </a:p>
-          <a:p>
-            <a:r>
-              <a:rPr lang="en-IN" sz="1200" dirty="0"/>
-              <a:t>        </a:t>
-            </a:r>
-            <a:r>
-              <a:rPr lang="en-IN" sz="1200" dirty="0" err="1"/>
-              <a:t>ListElement</a:t>
-            </a:r>
-            <a:r>
-              <a:rPr lang="en-IN" sz="1200" dirty="0"/>
-              <a:t> {done: </a:t>
-            </a:r>
-            <a:r>
-              <a:rPr lang="en-IN" sz="1200" dirty="0" err="1"/>
-              <a:t>false;description</a:t>
-            </a:r>
-            <a:r>
-              <a:rPr lang="en-IN" sz="1200" dirty="0"/>
-              <a:t>:"do homework"}</a:t>
-            </a:r>
-          </a:p>
-          <a:p>
-            <a:r>
-              <a:rPr lang="en-IN" sz="1200" dirty="0"/>
-              <a:t>    }</a:t>
-            </a:r>
-          </a:p>
-          <a:p>
-            <a:r>
-              <a:rPr lang="en-IN" sz="1200" dirty="0"/>
-              <a:t>    </a:t>
-            </a:r>
-          </a:p>
-          <a:p>
-            <a:r>
-              <a:rPr lang="en-IN" sz="1200" dirty="0"/>
-              <a:t>    </a:t>
-            </a:r>
-            <a:r>
-              <a:rPr lang="en-IN" sz="1200" dirty="0" err="1"/>
-              <a:t>ListView</a:t>
-            </a:r>
-            <a:r>
-              <a:rPr lang="en-IN" sz="1200" dirty="0"/>
-              <a:t> {</a:t>
-            </a:r>
-          </a:p>
-          <a:p>
-            <a:r>
-              <a:rPr lang="en-IN" sz="1200" dirty="0"/>
-              <a:t>        id: </a:t>
-            </a:r>
-            <a:r>
-              <a:rPr lang="en-IN" sz="1200" dirty="0" err="1"/>
-              <a:t>todoView</a:t>
-            </a:r>
-            <a:endParaRPr lang="en-IN" sz="1200" dirty="0"/>
-          </a:p>
-          <a:p>
-            <a:r>
-              <a:rPr lang="en-IN" sz="1200" dirty="0"/>
-              <a:t>        model: </a:t>
-            </a:r>
-            <a:r>
-              <a:rPr lang="en-IN" sz="1200" dirty="0" err="1"/>
-              <a:t>todomodel</a:t>
-            </a:r>
-            <a:endParaRPr lang="en-IN" sz="1200" dirty="0"/>
-          </a:p>
-          <a:p>
-            <a:r>
-              <a:rPr lang="en-IN" sz="1200" dirty="0"/>
-              <a:t>        delegate: Row {</a:t>
-            </a:r>
-          </a:p>
-          <a:p>
-            <a:r>
-              <a:rPr lang="en-IN" sz="1200" dirty="0"/>
-              <a:t>            </a:t>
-            </a:r>
-            <a:r>
-              <a:rPr lang="en-IN" sz="1200" dirty="0" err="1"/>
-              <a:t>CheckBox</a:t>
-            </a:r>
-            <a:r>
-              <a:rPr lang="en-IN" sz="1200" dirty="0"/>
-              <a:t> {checked: </a:t>
-            </a:r>
-            <a:r>
-              <a:rPr lang="en-IN" sz="1200" dirty="0" err="1"/>
-              <a:t>model.done</a:t>
-            </a:r>
+              <a:t>    signal perform (string task, variant object)</a:t>
+            </a:r>
+          </a:p>
+          <a:p>
             <a:r>
               <a:rPr lang="en-IN" sz="1200" dirty="0"/>
               <a:t>}</a:t>
             </a:r>
           </a:p>
-          <a:p>
+        </p:txBody>
+      </p:sp>
+      <p:sp>
+        <p:nvSpPr>
+          <p:cNvPr id="5" name="Rectangle 4">
+            <a:extLst>
+              <a:ext uri="{FF2B5EF4-FFF2-40B4-BE49-F238E27FC236}">
+                <a16:creationId xmlns:a16="http://schemas.microsoft.com/office/drawing/2014/main" id="{AE2E4F8C-8544-422D-8569-D2A035D84794}"/>
+              </a:ext>
+            </a:extLst>
+          </p:cNvPr>
+          <p:cNvSpPr/>
+          <p:nvPr/>
+        </p:nvSpPr>
+        <p:spPr>
+          <a:xfrm>
+            <a:off x="210309" y="4224026"/>
+            <a:ext cx="8593357" cy="923330"/>
+          </a:xfrm>
+          <a:prstGeom prst="rect">
+            <a:avLst/>
+          </a:prstGeom>
+        </p:spPr>
+        <p:txBody>
+          <a:bodyPr wrap="square">
+            <a:spAutoFit/>
+          </a:bodyPr>
+          <a:lstStyle/>
+          <a:p>
+            <a:r>
+              <a:rPr lang="en-IN" dirty="0"/>
+              <a:t>Adding a signal to an item automatically adds a signal handler as well. The signal hander is named on&lt;</a:t>
+            </a:r>
+            <a:r>
+              <a:rPr lang="en-IN" dirty="0" err="1"/>
+              <a:t>SignalName</a:t>
+            </a:r>
+            <a:r>
+              <a:rPr lang="en-IN" dirty="0"/>
+              <a:t>&gt;, with the first letter of the signal in uppercase. The previous signals have the following signal handlers:</a:t>
+            </a:r>
+          </a:p>
+        </p:txBody>
+      </p:sp>
+      <p:sp>
+        <p:nvSpPr>
+          <p:cNvPr id="6" name="Rectangle 5">
+            <a:extLst>
+              <a:ext uri="{FF2B5EF4-FFF2-40B4-BE49-F238E27FC236}">
+                <a16:creationId xmlns:a16="http://schemas.microsoft.com/office/drawing/2014/main" id="{3EDA80FD-DFFC-4DFD-964F-4756240749A4}"/>
+              </a:ext>
+            </a:extLst>
+          </p:cNvPr>
+          <p:cNvSpPr/>
+          <p:nvPr/>
+        </p:nvSpPr>
+        <p:spPr>
+          <a:xfrm>
+            <a:off x="242815" y="5131206"/>
+            <a:ext cx="8528347" cy="1200329"/>
+          </a:xfrm>
+          <a:prstGeom prst="rect">
+            <a:avLst/>
+          </a:prstGeom>
+        </p:spPr>
+        <p:txBody>
+          <a:bodyPr wrap="square">
+            <a:spAutoFit/>
+          </a:bodyPr>
+          <a:lstStyle/>
+          <a:p>
+            <a:endParaRPr lang="en-IN" sz="1200" dirty="0"/>
+          </a:p>
+          <a:p>
+            <a:r>
+              <a:rPr lang="en-IN" sz="1200" dirty="0" err="1"/>
+              <a:t>onTrigger</a:t>
+            </a:r>
             <a:r>
               <a:rPr lang="en-IN" sz="1200" dirty="0"/>
-              <a:t>            </a:t>
-            </a:r>
+              <a:t>: console.log("trigger signal emitted")</a:t>
+            </a:r>
+          </a:p>
+          <a:p>
             <a:r>
               <a:rPr lang="en-IN" sz="1200" dirty="0" err="1"/>
-              <a:t>TextInput</a:t>
+              <a:t>onSend</a:t>
             </a:r>
             <a:r>
               <a:rPr lang="en-IN" sz="1200" dirty="0"/>
-              <a:t> { text: </a:t>
-            </a:r>
-            <a:r>
-              <a:rPr lang="en-IN" sz="1200" dirty="0" err="1"/>
-              <a:t>model.description</a:t>
-            </a:r>
+              <a:t>:  {</a:t>
+            </a:r>
+          </a:p>
+          <a:p>
+            <a:r>
+              <a:rPr lang="en-IN" sz="1200" dirty="0"/>
+              <a:t>    console.log("send signal emitted with notice: " + notice)</a:t>
+            </a:r>
+          </a:p>
+          <a:p>
             <a:r>
               <a:rPr lang="en-IN" sz="1200" dirty="0"/>
               <a:t>}</a:t>
@@ -4296,14 +4057,12 @@
           </a:p>
           <a:p>
             <a:r>
+              <a:rPr lang="en-IN" sz="1200" dirty="0" err="1"/>
+              <a:t>onPerform</a:t>
+            </a:r>
+            <a:r>
               <a:rPr lang="en-IN" sz="1200" dirty="0"/>
-              <a:t>        }</a:t>
-            </a:r>
-          </a:p>
-          <a:p>
-            <a:r>
-              <a:rPr lang="en-IN" sz="1200" dirty="0"/>
-              <a:t>    }</a:t>
+              <a:t>: console.log("perform signal emitted")</a:t>
             </a:r>
           </a:p>
         </p:txBody>
@@ -4311,7 +4070,7 @@
     </p:spTree>
     <p:extLst>
       <p:ext uri="{BB962C8B-B14F-4D97-AF65-F5344CB8AC3E}">
-        <p14:creationId xmlns:p14="http://schemas.microsoft.com/office/powerpoint/2010/main" val="3962175507"/>
+        <p14:creationId xmlns:p14="http://schemas.microsoft.com/office/powerpoint/2010/main" val="1171712604"/>
       </p:ext>
     </p:extLst>
   </p:cSld>
@@ -4463,7 +4222,7 @@
                   </a:outerShdw>
                 </a:effectLst>
               </a:rPr>
-              <a:t>Let's do some exercises</a:t>
+              <a:t>QML Mouse Events</a:t>
             </a:r>
           </a:p>
           <a:p>
@@ -4500,8 +4259,8 @@
         </p:nvSpPr>
         <p:spPr bwMode="auto">
           <a:xfrm>
-            <a:off x="568934" y="2046218"/>
-            <a:ext cx="6519762" cy="1231106"/>
+            <a:off x="275321" y="1973446"/>
+            <a:ext cx="8593357" cy="1538883"/>
           </a:xfrm>
           <a:prstGeom prst="rect">
             <a:avLst/>
@@ -4676,94 +4435,701 @@
             </a:lvl9pPr>
           </a:lstStyle>
           <a:p>
-            <a:pPr marL="285750" lvl="0" indent="-285750">
-              <a:buFont typeface="Arial" panose="020B0604020202020204" pitchFamily="34" charset="0"/>
-              <a:buChar char="•"/>
+            <a:pPr lvl="0"/>
+            <a:r>
+              <a:rPr lang="en-IN" dirty="0"/>
+              <a:t>QML uses signals and handlers to deliver mouse interactions. Specifically, the </a:t>
+            </a:r>
+            <a:r>
+              <a:rPr lang="en-IN" dirty="0" err="1"/>
+              <a:t>MouseArea</a:t>
+            </a:r>
+            <a:r>
+              <a:rPr lang="en-IN" dirty="0"/>
+              <a:t> and </a:t>
+            </a:r>
+            <a:r>
+              <a:rPr lang="en-IN" dirty="0" err="1"/>
+              <a:t>MouseEvent</a:t>
+            </a:r>
+            <a:r>
+              <a:rPr lang="en-IN" dirty="0"/>
+              <a:t> elements provide QML components with signal handlers to accept mouse events within a defined area.</a:t>
+            </a:r>
+          </a:p>
+          <a:p>
+            <a:pPr lvl="0"/>
+            <a:endParaRPr lang="en-IN" dirty="0"/>
+          </a:p>
+          <a:p>
+            <a:pPr marL="0" marR="0" lvl="0" indent="0" algn="l" defTabSz="914400" rtl="0" eaLnBrk="0" fontAlgn="base" latinLnBrk="0" hangingPunct="0">
+              <a:lnSpc>
+                <a:spcPct val="100000"/>
+              </a:lnSpc>
+              <a:spcBef>
+                <a:spcPct val="0"/>
+              </a:spcBef>
+              <a:spcAft>
+                <a:spcPct val="0"/>
+              </a:spcAft>
+              <a:buClrTx/>
+              <a:buSzTx/>
+              <a:buFontTx/>
+              <a:buNone/>
+              <a:tabLst/>
             </a:pPr>
-            <a:r>
-              <a:rPr lang="en-US" altLang="en-US" sz="1600" dirty="0">
-                <a:latin typeface="+mj-lt"/>
+            <a:endParaRPr kumimoji="0" lang="pt-BR" altLang="en-US" sz="1600" b="0" i="0" u="none" strike="noStrike" cap="none" normalizeH="0" baseline="0" dirty="0">
+              <a:ln>
+                <a:noFill/>
+              </a:ln>
+              <a:solidFill>
+                <a:schemeClr val="tx1"/>
+              </a:solidFill>
+              <a:effectLst/>
+              <a:latin typeface="+mj-lt"/>
+            </a:endParaRPr>
+          </a:p>
+          <a:p>
+            <a:pPr lvl="0"/>
+            <a:endParaRPr kumimoji="0" lang="en-US" altLang="en-US" sz="1200" b="0" i="0" u="none" strike="noStrike" cap="none" normalizeH="0" baseline="0" dirty="0">
+              <a:ln>
+                <a:noFill/>
+              </a:ln>
+              <a:solidFill>
+                <a:schemeClr val="tx1"/>
+              </a:solidFill>
+              <a:effectLst/>
+              <a:latin typeface="+mj-lt"/>
+            </a:endParaRPr>
+          </a:p>
+        </p:txBody>
+      </p:sp>
+      <p:sp>
+        <p:nvSpPr>
+          <p:cNvPr id="3" name="TextBox 2">
+            <a:extLst>
+              <a:ext uri="{FF2B5EF4-FFF2-40B4-BE49-F238E27FC236}">
+                <a16:creationId xmlns:a16="http://schemas.microsoft.com/office/drawing/2014/main" id="{EAABC144-05E8-4D8C-A183-8F87AEE49BBD}"/>
+              </a:ext>
+            </a:extLst>
+          </p:cNvPr>
+          <p:cNvSpPr txBox="1"/>
+          <p:nvPr/>
+        </p:nvSpPr>
+        <p:spPr>
+          <a:xfrm>
+            <a:off x="335560" y="3833769"/>
+            <a:ext cx="4160617" cy="2616101"/>
+          </a:xfrm>
+          <a:prstGeom prst="rect">
+            <a:avLst/>
+          </a:prstGeom>
+          <a:noFill/>
+        </p:spPr>
+        <p:txBody>
+          <a:bodyPr wrap="square" rtlCol="0">
+            <a:spAutoFit/>
+          </a:bodyPr>
+          <a:lstStyle/>
+          <a:p>
+            <a:r>
+              <a:rPr lang="en-IN" sz="1400" dirty="0"/>
+              <a:t>Rectangle {</a:t>
+            </a:r>
+          </a:p>
+          <a:p>
+            <a:r>
+              <a:rPr lang="en-IN" sz="1400" dirty="0"/>
+              <a:t>    id: button1</a:t>
+            </a:r>
+          </a:p>
+          <a:p>
+            <a:r>
+              <a:rPr lang="en-IN" sz="1400" dirty="0"/>
+              <a:t>    width: 100</a:t>
+            </a:r>
+          </a:p>
+          <a:p>
+            <a:r>
+              <a:rPr lang="en-IN" sz="1400" dirty="0"/>
+              <a:t>    height: 100</a:t>
+            </a:r>
+          </a:p>
+          <a:p>
+            <a:endParaRPr lang="en-IN" sz="1400" dirty="0"/>
+          </a:p>
+          <a:p>
+            <a:r>
+              <a:rPr lang="en-IN" sz="1400" dirty="0"/>
+              <a:t>    </a:t>
+            </a:r>
+            <a:r>
+              <a:rPr lang="en-IN" sz="1400" dirty="0" err="1"/>
+              <a:t>MouseArea</a:t>
+            </a:r>
+            <a:r>
+              <a:rPr lang="en-IN" sz="1400" dirty="0"/>
+              <a:t> {</a:t>
+            </a:r>
+          </a:p>
+          <a:p>
+            <a:r>
+              <a:rPr lang="en-IN" sz="1400" dirty="0"/>
+              <a:t>        </a:t>
+            </a:r>
+            <a:r>
+              <a:rPr lang="en-IN" sz="1400" dirty="0" err="1"/>
+              <a:t>anchors.fill</a:t>
+            </a:r>
+            <a:r>
+              <a:rPr lang="en-IN" sz="1400" dirty="0"/>
+              <a:t>: parent</a:t>
+            </a:r>
+          </a:p>
+          <a:p>
+            <a:r>
+              <a:rPr lang="en-IN" sz="1400" dirty="0"/>
+              <a:t>        </a:t>
+            </a:r>
+            <a:r>
+              <a:rPr lang="en-IN" sz="1400" dirty="0" err="1"/>
+              <a:t>onClicked</a:t>
+            </a:r>
+            <a:r>
+              <a:rPr lang="en-IN" sz="1400" dirty="0"/>
+              <a:t>: console.log("button clicked")</a:t>
+            </a:r>
+          </a:p>
+          <a:p>
+            <a:r>
+              <a:rPr lang="en-IN" sz="1400" dirty="0"/>
+              <a:t>    }</a:t>
+            </a:r>
+          </a:p>
+          <a:p>
+            <a:r>
+              <a:rPr lang="en-IN" sz="1400" dirty="0"/>
+              <a:t>  </a:t>
+            </a:r>
+          </a:p>
+          <a:p>
+            <a:r>
+              <a:rPr lang="en-IN" sz="1400" dirty="0"/>
+              <a:t>}</a:t>
+            </a:r>
+          </a:p>
+          <a:p>
+            <a:endParaRPr lang="en-IN" sz="1050" dirty="0"/>
+          </a:p>
+        </p:txBody>
+      </p:sp>
+      <p:sp>
+        <p:nvSpPr>
+          <p:cNvPr id="5" name="TextBox 4">
+            <a:extLst>
+              <a:ext uri="{FF2B5EF4-FFF2-40B4-BE49-F238E27FC236}">
+                <a16:creationId xmlns:a16="http://schemas.microsoft.com/office/drawing/2014/main" id="{7674BA95-1C35-4D6F-922E-6D7EB7057B48}"/>
+              </a:ext>
+            </a:extLst>
+          </p:cNvPr>
+          <p:cNvSpPr txBox="1"/>
+          <p:nvPr/>
+        </p:nvSpPr>
+        <p:spPr>
+          <a:xfrm>
+            <a:off x="4182670" y="3776855"/>
+            <a:ext cx="4961330" cy="2031325"/>
+          </a:xfrm>
+          <a:prstGeom prst="rect">
+            <a:avLst/>
+          </a:prstGeom>
+          <a:noFill/>
+        </p:spPr>
+        <p:txBody>
+          <a:bodyPr wrap="square" rtlCol="0">
+            <a:spAutoFit/>
+          </a:bodyPr>
+          <a:lstStyle/>
+          <a:p>
+            <a:r>
+              <a:rPr lang="en-IN" sz="1400" dirty="0"/>
+              <a:t> </a:t>
+            </a:r>
+            <a:r>
+              <a:rPr lang="en-IN" sz="1400" dirty="0" err="1"/>
+              <a:t>MouseArea</a:t>
+            </a:r>
+            <a:r>
+              <a:rPr lang="en-IN" sz="1400" dirty="0"/>
+              <a:t> {</a:t>
+            </a:r>
+          </a:p>
+          <a:p>
+            <a:endParaRPr lang="en-IN" sz="1400" dirty="0"/>
+          </a:p>
+          <a:p>
+            <a:r>
+              <a:rPr lang="en-IN" sz="1400" dirty="0"/>
+              <a:t>        </a:t>
+            </a:r>
+            <a:r>
+              <a:rPr lang="en-IN" sz="1400" dirty="0" err="1"/>
+              <a:t>anchors.fill</a:t>
+            </a:r>
+            <a:r>
+              <a:rPr lang="en-IN" sz="1400" dirty="0"/>
+              <a:t>: parent</a:t>
+            </a:r>
+          </a:p>
+          <a:p>
+            <a:r>
+              <a:rPr lang="en-IN" sz="1400" dirty="0"/>
+              <a:t>        </a:t>
+            </a:r>
+            <a:r>
+              <a:rPr lang="en-IN" sz="1400" dirty="0" err="1"/>
+              <a:t>onClicked</a:t>
+            </a:r>
+            <a:r>
+              <a:rPr lang="en-IN" sz="1400" dirty="0"/>
+              <a:t>: console.log("area clicked")</a:t>
+            </a:r>
+          </a:p>
+          <a:p>
+            <a:r>
+              <a:rPr lang="en-IN" sz="1400" dirty="0"/>
+              <a:t>        </a:t>
+            </a:r>
+            <a:r>
+              <a:rPr lang="en-IN" sz="1400" dirty="0" err="1"/>
+              <a:t>onDoubleClicked</a:t>
+            </a:r>
+            <a:r>
+              <a:rPr lang="en-IN" sz="1400" dirty="0"/>
+              <a:t>: console.log("area double clicked")</a:t>
+            </a:r>
+          </a:p>
+          <a:p>
+            <a:r>
+              <a:rPr lang="en-IN" sz="1400" dirty="0"/>
+              <a:t>        </a:t>
+            </a:r>
+            <a:r>
+              <a:rPr lang="en-IN" sz="1400" dirty="0" err="1"/>
+              <a:t>onEntered</a:t>
+            </a:r>
+            <a:r>
+              <a:rPr lang="en-IN" sz="1400" dirty="0"/>
+              <a:t>: console.log("mouse entered the area")</a:t>
+            </a:r>
+          </a:p>
+          <a:p>
+            <a:r>
+              <a:rPr lang="en-IN" sz="1400" dirty="0"/>
+              <a:t>        </a:t>
+            </a:r>
+            <a:r>
+              <a:rPr lang="en-IN" sz="1400" dirty="0" err="1"/>
+              <a:t>onExited</a:t>
+            </a:r>
+            <a:r>
+              <a:rPr lang="en-IN" sz="1400" dirty="0"/>
+              <a:t>: console.log("mouse left the area")</a:t>
+            </a:r>
+          </a:p>
+          <a:p>
+            <a:endParaRPr lang="en-IN" sz="1400" dirty="0"/>
+          </a:p>
+          <a:p>
+            <a:r>
+              <a:rPr lang="en-IN" sz="1400" dirty="0"/>
+              <a:t>    }</a:t>
+            </a:r>
+          </a:p>
+        </p:txBody>
+      </p:sp>
+    </p:spTree>
+    <p:extLst>
+      <p:ext uri="{BB962C8B-B14F-4D97-AF65-F5344CB8AC3E}">
+        <p14:creationId xmlns:p14="http://schemas.microsoft.com/office/powerpoint/2010/main" val="987955835"/>
+      </p:ext>
+    </p:extLst>
+  </p:cSld>
+  <p:clrMapOvr>
+    <a:masterClrMapping/>
+  </p:clrMapOvr>
+</p:sld>
+</file>
+
+<file path=ppt/slides/slide13.xml><?xml version="1.0" encoding="utf-8"?>
+<p:sld xmlns:a="http://schemas.openxmlformats.org/drawingml/2006/main" xmlns:r="http://schemas.openxmlformats.org/officeDocument/2006/relationships" xmlns:p="http://schemas.openxmlformats.org/presentationml/2006/main">
+  <p:cSld>
+    <p:spTree>
+      <p:nvGrpSpPr>
+        <p:cNvPr id="1" name=""/>
+        <p:cNvGrpSpPr/>
+        <p:nvPr/>
+      </p:nvGrpSpPr>
+      <p:grpSpPr>
+        <a:xfrm>
+          <a:off x="0" y="0"/>
+          <a:ext cx="0" cy="0"/>
+          <a:chOff x="0" y="0"/>
+          <a:chExt cx="0" cy="0"/>
+        </a:xfrm>
+      </p:grpSpPr>
+      <p:sp>
+        <p:nvSpPr>
+          <p:cNvPr id="12" name="Rectangle 11"/>
+          <p:cNvSpPr/>
+          <p:nvPr/>
+        </p:nvSpPr>
+        <p:spPr>
+          <a:xfrm>
+            <a:off x="4887850" y="880712"/>
+            <a:ext cx="4160617" cy="7332777"/>
+          </a:xfrm>
+          <a:prstGeom prst="rect">
+            <a:avLst/>
+          </a:prstGeom>
+          <a:ln>
+            <a:noFill/>
+          </a:ln>
+        </p:spPr>
+        <p:txBody>
+          <a:bodyPr vert="horz" lIns="91440" tIns="45720" rIns="91440" bIns="45720" rtlCol="0">
+            <a:noAutofit/>
+          </a:bodyPr>
+          <a:lstStyle/>
+          <a:p>
+            <a:pPr marL="273050" indent="-273050">
+              <a:lnSpc>
+                <a:spcPct val="150000"/>
+              </a:lnSpc>
+              <a:buClr>
+                <a:schemeClr val="accent1"/>
+              </a:buClr>
+              <a:buFont typeface="Wingdings 2" pitchFamily="18" charset="2"/>
+              <a:buChar char=""/>
+            </a:pPr>
+            <a:endParaRPr lang="en-IN" sz="1200" dirty="0">
+              <a:solidFill>
+                <a:schemeClr val="tx1">
+                  <a:lumMod val="65000"/>
+                  <a:lumOff val="35000"/>
+                </a:schemeClr>
+              </a:solidFill>
+              <a:latin typeface="Arial"/>
+              <a:cs typeface="Arial"/>
+            </a:endParaRPr>
+          </a:p>
+        </p:txBody>
+      </p:sp>
+      <p:sp>
+        <p:nvSpPr>
+          <p:cNvPr id="7" name="TextBox 6"/>
+          <p:cNvSpPr txBox="1"/>
+          <p:nvPr/>
+        </p:nvSpPr>
+        <p:spPr>
+          <a:xfrm>
+            <a:off x="178594" y="185299"/>
+            <a:ext cx="4786313" cy="461665"/>
+          </a:xfrm>
+          <a:prstGeom prst="rect">
+            <a:avLst/>
+          </a:prstGeom>
+          <a:noFill/>
+        </p:spPr>
+        <p:txBody>
+          <a:bodyPr wrap="square" rtlCol="0">
+            <a:spAutoFit/>
+          </a:bodyPr>
+          <a:lstStyle/>
+          <a:p>
+            <a:r>
+              <a:rPr lang="en-US" sz="2400" dirty="0">
+                <a:solidFill>
+                  <a:schemeClr val="tx2"/>
+                </a:solidFill>
               </a:rPr>
-              <a:t>Learn Rectangle properties </a:t>
-            </a:r>
-          </a:p>
-          <a:p>
-            <a:pPr marL="285750" lvl="0" indent="-285750">
-              <a:buFont typeface="Arial" panose="020B0604020202020204" pitchFamily="34" charset="0"/>
-              <a:buChar char="•"/>
-            </a:pPr>
-            <a:r>
-              <a:rPr lang="en-IN" altLang="en-US" sz="1600" dirty="0">
-                <a:latin typeface="+mj-lt"/>
+              <a:t>QML </a:t>
+            </a:r>
+            <a:endParaRPr lang="en-IN" sz="2400" dirty="0">
+              <a:solidFill>
+                <a:schemeClr val="tx2"/>
+              </a:solidFill>
+            </a:endParaRPr>
+          </a:p>
+        </p:txBody>
+      </p:sp>
+      <p:sp>
+        <p:nvSpPr>
+          <p:cNvPr id="4" name="Rectangle 3">
+            <a:extLst>
+              <a:ext uri="{FF2B5EF4-FFF2-40B4-BE49-F238E27FC236}">
+                <a16:creationId xmlns:a16="http://schemas.microsoft.com/office/drawing/2014/main" id="{520E6CF5-55F3-4F06-BE71-8EC7A613BBF4}"/>
+              </a:ext>
+            </a:extLst>
+          </p:cNvPr>
+          <p:cNvSpPr/>
+          <p:nvPr/>
+        </p:nvSpPr>
+        <p:spPr>
+          <a:xfrm>
+            <a:off x="1202051" y="911769"/>
+            <a:ext cx="5886645" cy="461666"/>
+          </a:xfrm>
+          <a:prstGeom prst="rect">
+            <a:avLst/>
+          </a:prstGeom>
+          <a:noFill/>
+        </p:spPr>
+        <p:txBody>
+          <a:bodyPr wrap="square" lIns="91440" tIns="45720" rIns="91440" bIns="45720">
+            <a:normAutofit fontScale="92500" lnSpcReduction="10000"/>
+          </a:bodyPr>
+          <a:lstStyle/>
+          <a:p>
+            <a:pPr algn="ctr"/>
+            <a:r>
+              <a:rPr lang="en-IN" sz="2800" dirty="0">
+                <a:ln w="0"/>
+                <a:effectLst>
+                  <a:outerShdw blurRad="38100" dist="19050" dir="2700000" algn="tl" rotWithShape="0">
+                    <a:schemeClr val="dk1">
+                      <a:alpha val="40000"/>
+                    </a:schemeClr>
+                  </a:outerShdw>
+                </a:effectLst>
               </a:rPr>
-              <a:t>Learn how to create </a:t>
-            </a:r>
-            <a:r>
-              <a:rPr lang="en-IN" altLang="en-US" sz="1600" dirty="0" err="1">
-                <a:latin typeface="+mj-lt"/>
-              </a:rPr>
-              <a:t>Create</a:t>
-            </a:r>
-            <a:r>
-              <a:rPr lang="en-IN" altLang="en-US" sz="1600" dirty="0">
-                <a:latin typeface="+mj-lt"/>
-              </a:rPr>
-              <a:t> custom control (Button) </a:t>
-            </a:r>
-          </a:p>
-          <a:p>
-            <a:pPr marL="285750" lvl="0" indent="-285750">
-              <a:buFont typeface="Arial" panose="020B0604020202020204" pitchFamily="34" charset="0"/>
-              <a:buChar char="•"/>
-            </a:pPr>
-            <a:r>
-              <a:rPr lang="en-US" altLang="en-US" sz="1600" dirty="0">
-                <a:latin typeface="+mj-lt"/>
-              </a:rPr>
-              <a:t>How anchors work</a:t>
-            </a:r>
-          </a:p>
-          <a:p>
-            <a:pPr marL="285750" lvl="0" indent="-285750">
-              <a:buFont typeface="Arial" panose="020B0604020202020204" pitchFamily="34" charset="0"/>
-              <a:buChar char="•"/>
-            </a:pPr>
-            <a:r>
-              <a:rPr kumimoji="0" lang="en-US" altLang="en-US" sz="1600" b="0" i="0" u="none" strike="noStrike" cap="none" normalizeH="0" baseline="0" dirty="0">
-                <a:ln>
-                  <a:noFill/>
-                </a:ln>
+              <a:t>Models and Views in Qt Quick</a:t>
+            </a:r>
+            <a:endParaRPr lang="en-US" sz="2800" dirty="0">
+              <a:ln w="0"/>
+              <a:effectLst>
+                <a:outerShdw blurRad="38100" dist="19050" dir="2700000" algn="tl" rotWithShape="0">
+                  <a:schemeClr val="dk1">
+                    <a:alpha val="40000"/>
+                  </a:schemeClr>
+                </a:outerShdw>
+              </a:effectLst>
+            </a:endParaRPr>
+          </a:p>
+          <a:p>
+            <a:pPr algn="ctr"/>
+            <a:endParaRPr lang="en-US" sz="2800" b="0" cap="none" spc="0" dirty="0">
+              <a:ln w="0"/>
+              <a:solidFill>
+                <a:schemeClr val="tx1"/>
+              </a:solidFill>
+              <a:effectLst>
+                <a:outerShdw blurRad="38100" dist="19050" dir="2700000" algn="tl" rotWithShape="0">
+                  <a:schemeClr val="dk1">
+                    <a:alpha val="40000"/>
+                  </a:schemeClr>
+                </a:outerShdw>
+              </a:effectLst>
+            </a:endParaRPr>
+          </a:p>
+        </p:txBody>
+      </p:sp>
+      <p:sp>
+        <p:nvSpPr>
+          <p:cNvPr id="10" name="Rectangle 3">
+            <a:extLst>
+              <a:ext uri="{FF2B5EF4-FFF2-40B4-BE49-F238E27FC236}">
+                <a16:creationId xmlns:a16="http://schemas.microsoft.com/office/drawing/2014/main" id="{1CD7D7B1-AE07-48B8-9BF1-630D34AD5FC0}"/>
+              </a:ext>
+            </a:extLst>
+          </p:cNvPr>
+          <p:cNvSpPr>
+            <a:spLocks noChangeArrowheads="1"/>
+          </p:cNvSpPr>
+          <p:nvPr/>
+        </p:nvSpPr>
+        <p:spPr bwMode="auto">
+          <a:xfrm>
+            <a:off x="275321" y="1607183"/>
+            <a:ext cx="8593357" cy="1107996"/>
+          </a:xfrm>
+          <a:prstGeom prst="rect">
+            <a:avLst/>
+          </a:prstGeom>
+          <a:noFill/>
+          <a:ln>
+            <a:noFill/>
+          </a:ln>
+          <a:effectLst/>
+          <a:extLst>
+            <a:ext uri="{909E8E84-426E-40DD-AFC4-6F175D3DCCD1}">
+              <a14:hiddenFill xmlns:a14="http://schemas.microsoft.com/office/drawing/2010/main">
+                <a:solidFill>
+                  <a:schemeClr val="accent1"/>
+                </a:solidFill>
+              </a14:hiddenFill>
+            </a:ext>
+            <a:ext uri="{91240B29-F687-4F45-9708-019B960494DF}">
+              <a14:hiddenLine xmlns:a14="http://schemas.microsoft.com/office/drawing/2010/main" w="9525">
                 <a:solidFill>
                   <a:schemeClr val="tx1"/>
                 </a:solidFill>
-                <a:effectLst/>
-                <a:latin typeface="+mj-lt"/>
-              </a:rPr>
-              <a:t>How to use Images</a:t>
-            </a:r>
-          </a:p>
-          <a:p>
-            <a:pPr marL="285750" lvl="0" indent="-285750">
-              <a:buFont typeface="Arial" panose="020B0604020202020204" pitchFamily="34" charset="0"/>
-              <a:buChar char="•"/>
-            </a:pPr>
-            <a:r>
-              <a:rPr lang="en-US" altLang="en-US" sz="1600" dirty="0">
-                <a:latin typeface="+mj-lt"/>
-              </a:rPr>
-              <a:t>MVC Demo. Create a simple </a:t>
-            </a:r>
-            <a:r>
-              <a:rPr lang="en-US" altLang="en-US" sz="1600" dirty="0" err="1">
-                <a:latin typeface="+mj-lt"/>
-              </a:rPr>
-              <a:t>TodoList</a:t>
-            </a:r>
-            <a:r>
-              <a:rPr lang="en-US" altLang="en-US" sz="1600" dirty="0">
-                <a:latin typeface="+mj-lt"/>
-              </a:rPr>
-              <a:t> application</a:t>
+                <a:miter lim="800000"/>
+                <a:headEnd/>
+                <a:tailEnd/>
+              </a14:hiddenLine>
+            </a:ext>
+            <a:ext uri="{AF507438-7753-43E0-B8FC-AC1667EBCBE1}">
+              <a14:hiddenEffects xmlns:a14="http://schemas.microsoft.com/office/drawing/2010/main">
+                <a:effectLst>
+                  <a:outerShdw dist="35921" dir="2700000" algn="ctr" rotWithShape="0">
+                    <a:schemeClr val="bg2"/>
+                  </a:outerShdw>
+                </a:effectLst>
+              </a14:hiddenEffects>
+            </a:ext>
+          </a:extLst>
+        </p:spPr>
+        <p:txBody>
+          <a:bodyPr vert="horz" wrap="square" lIns="19044" tIns="0" rIns="19044" bIns="0" numCol="1" anchor="ctr" anchorCtr="0" compatLnSpc="1">
+            <a:prstTxWarp prst="textNoShape">
+              <a:avLst/>
+            </a:prstTxWarp>
+            <a:spAutoFit/>
+          </a:bodyPr>
+          <a:lstStyle>
+            <a:lvl1pPr eaLnBrk="0" fontAlgn="base" hangingPunct="0">
+              <a:spcBef>
+                <a:spcPct val="0"/>
+              </a:spcBef>
+              <a:spcAft>
+                <a:spcPct val="0"/>
+              </a:spcAft>
+              <a:defRPr>
+                <a:solidFill>
+                  <a:schemeClr val="tx1"/>
+                </a:solidFill>
+                <a:latin typeface="Arial" panose="020B0604020202020204" pitchFamily="34" charset="0"/>
+              </a:defRPr>
+            </a:lvl1pPr>
+            <a:lvl2pPr eaLnBrk="0" fontAlgn="base" hangingPunct="0">
+              <a:spcBef>
+                <a:spcPct val="0"/>
+              </a:spcBef>
+              <a:spcAft>
+                <a:spcPct val="0"/>
+              </a:spcAft>
+              <a:defRPr>
+                <a:solidFill>
+                  <a:schemeClr val="tx1"/>
+                </a:solidFill>
+                <a:latin typeface="Arial" panose="020B0604020202020204" pitchFamily="34" charset="0"/>
+              </a:defRPr>
+            </a:lvl2pPr>
+            <a:lvl3pPr eaLnBrk="0" fontAlgn="base" hangingPunct="0">
+              <a:spcBef>
+                <a:spcPct val="0"/>
+              </a:spcBef>
+              <a:spcAft>
+                <a:spcPct val="0"/>
+              </a:spcAft>
+              <a:defRPr>
+                <a:solidFill>
+                  <a:schemeClr val="tx1"/>
+                </a:solidFill>
+                <a:latin typeface="Arial" panose="020B0604020202020204" pitchFamily="34" charset="0"/>
+              </a:defRPr>
+            </a:lvl3pPr>
+            <a:lvl4pPr eaLnBrk="0" fontAlgn="base" hangingPunct="0">
+              <a:spcBef>
+                <a:spcPct val="0"/>
+              </a:spcBef>
+              <a:spcAft>
+                <a:spcPct val="0"/>
+              </a:spcAft>
+              <a:defRPr>
+                <a:solidFill>
+                  <a:schemeClr val="tx1"/>
+                </a:solidFill>
+                <a:latin typeface="Arial" panose="020B0604020202020204" pitchFamily="34" charset="0"/>
+              </a:defRPr>
+            </a:lvl4pPr>
+            <a:lvl5pPr eaLnBrk="0" fontAlgn="base" hangingPunct="0">
+              <a:spcBef>
+                <a:spcPct val="0"/>
+              </a:spcBef>
+              <a:spcAft>
+                <a:spcPct val="0"/>
+              </a:spcAft>
+              <a:defRPr>
+                <a:solidFill>
+                  <a:schemeClr val="tx1"/>
+                </a:solidFill>
+                <a:latin typeface="Arial" panose="020B0604020202020204" pitchFamily="34" charset="0"/>
+              </a:defRPr>
+            </a:lvl5pPr>
+            <a:lvl6pPr eaLnBrk="0" fontAlgn="base" hangingPunct="0">
+              <a:spcBef>
+                <a:spcPct val="0"/>
+              </a:spcBef>
+              <a:spcAft>
+                <a:spcPct val="0"/>
+              </a:spcAft>
+              <a:defRPr>
+                <a:solidFill>
+                  <a:schemeClr val="tx1"/>
+                </a:solidFill>
+                <a:latin typeface="Arial" panose="020B0604020202020204" pitchFamily="34" charset="0"/>
+              </a:defRPr>
+            </a:lvl6pPr>
+            <a:lvl7pPr eaLnBrk="0" fontAlgn="base" hangingPunct="0">
+              <a:spcBef>
+                <a:spcPct val="0"/>
+              </a:spcBef>
+              <a:spcAft>
+                <a:spcPct val="0"/>
+              </a:spcAft>
+              <a:defRPr>
+                <a:solidFill>
+                  <a:schemeClr val="tx1"/>
+                </a:solidFill>
+                <a:latin typeface="Arial" panose="020B0604020202020204" pitchFamily="34" charset="0"/>
+              </a:defRPr>
+            </a:lvl7pPr>
+            <a:lvl8pPr eaLnBrk="0" fontAlgn="base" hangingPunct="0">
+              <a:spcBef>
+                <a:spcPct val="0"/>
+              </a:spcBef>
+              <a:spcAft>
+                <a:spcPct val="0"/>
+              </a:spcAft>
+              <a:defRPr>
+                <a:solidFill>
+                  <a:schemeClr val="tx1"/>
+                </a:solidFill>
+                <a:latin typeface="Arial" panose="020B0604020202020204" pitchFamily="34" charset="0"/>
+              </a:defRPr>
+            </a:lvl8pPr>
+            <a:lvl9pPr eaLnBrk="0" fontAlgn="base" hangingPunct="0">
+              <a:spcBef>
+                <a:spcPct val="0"/>
+              </a:spcBef>
+              <a:spcAft>
+                <a:spcPct val="0"/>
+              </a:spcAft>
+              <a:defRPr>
+                <a:solidFill>
+                  <a:schemeClr val="tx1"/>
+                </a:solidFill>
+                <a:latin typeface="Arial" panose="020B0604020202020204" pitchFamily="34" charset="0"/>
+              </a:defRPr>
+            </a:lvl9pPr>
+          </a:lstStyle>
+          <a:p>
+            <a:pPr lvl="0"/>
+            <a:r>
+              <a:rPr lang="en-IN" dirty="0"/>
+              <a:t>applications need to form data and display the data. Qt Quick has the notion of models, views, and delegates to display data. They modularize the visualization of data in order to give the developer or designer control over the different aspects of the data.</a:t>
             </a:r>
             <a:endParaRPr kumimoji="0" lang="en-US" altLang="en-US" sz="1600" b="0" i="0" u="none" strike="noStrike" cap="none" normalizeH="0" baseline="0" dirty="0">
               <a:ln>
@@ -4778,10 +5144,286 @@
           </a:p>
         </p:txBody>
       </p:sp>
+      <p:pic>
+        <p:nvPicPr>
+          <p:cNvPr id="5122" name="Picture 2">
+            <a:extLst>
+              <a:ext uri="{FF2B5EF4-FFF2-40B4-BE49-F238E27FC236}">
+                <a16:creationId xmlns:a16="http://schemas.microsoft.com/office/drawing/2014/main" id="{455EC1BC-3586-46CD-B73A-2673F340015D}"/>
+              </a:ext>
+            </a:extLst>
+          </p:cNvPr>
+          <p:cNvPicPr>
+            <a:picLocks noChangeAspect="1" noChangeArrowheads="1"/>
+          </p:cNvPicPr>
+          <p:nvPr/>
+        </p:nvPicPr>
+        <p:blipFill>
+          <a:blip r:embed="rId2">
+            <a:extLst>
+              <a:ext uri="{28A0092B-C50C-407E-A947-70E740481C1C}">
+                <a14:useLocalDpi xmlns:a14="http://schemas.microsoft.com/office/drawing/2010/main" val="0"/>
+              </a:ext>
+            </a:extLst>
+          </a:blip>
+          <a:srcRect/>
+          <a:stretch>
+            <a:fillRect/>
+          </a:stretch>
+        </p:blipFill>
+        <p:spPr bwMode="auto">
+          <a:xfrm>
+            <a:off x="547951" y="3498306"/>
+            <a:ext cx="2276475" cy="2447925"/>
+          </a:xfrm>
+          <a:prstGeom prst="rect">
+            <a:avLst/>
+          </a:prstGeom>
+          <a:noFill/>
+          <a:extLst>
+            <a:ext uri="{909E8E84-426E-40DD-AFC4-6F175D3DCCD1}">
+              <a14:hiddenFill xmlns:a14="http://schemas.microsoft.com/office/drawing/2010/main">
+                <a:solidFill>
+                  <a:srgbClr val="FFFFFF"/>
+                </a:solidFill>
+              </a14:hiddenFill>
+            </a:ext>
+          </a:extLst>
+        </p:spPr>
+      </p:pic>
+      <p:sp>
+        <p:nvSpPr>
+          <p:cNvPr id="3" name="Rectangle 2">
+            <a:extLst>
+              <a:ext uri="{FF2B5EF4-FFF2-40B4-BE49-F238E27FC236}">
+                <a16:creationId xmlns:a16="http://schemas.microsoft.com/office/drawing/2014/main" id="{EEABA321-04F2-4C20-BBBE-A1B39350FEA7}"/>
+              </a:ext>
+            </a:extLst>
+          </p:cNvPr>
+          <p:cNvSpPr/>
+          <p:nvPr/>
+        </p:nvSpPr>
+        <p:spPr>
+          <a:xfrm>
+            <a:off x="3284290" y="3297365"/>
+            <a:ext cx="5129868" cy="2862322"/>
+          </a:xfrm>
+          <a:prstGeom prst="rect">
+            <a:avLst/>
+          </a:prstGeom>
+        </p:spPr>
+        <p:txBody>
+          <a:bodyPr wrap="square">
+            <a:spAutoFit/>
+          </a:bodyPr>
+          <a:lstStyle/>
+          <a:p>
+            <a:r>
+              <a:rPr lang="en-IN" sz="1200" dirty="0"/>
+              <a:t> </a:t>
+            </a:r>
+            <a:r>
+              <a:rPr lang="en-IN" sz="1200" dirty="0" err="1"/>
+              <a:t>ListModel</a:t>
+            </a:r>
+            <a:r>
+              <a:rPr lang="en-IN" sz="1200" dirty="0"/>
+              <a:t> {</a:t>
+            </a:r>
+          </a:p>
+          <a:p>
+            <a:r>
+              <a:rPr lang="en-IN" sz="1200" dirty="0"/>
+              <a:t>        id: </a:t>
+            </a:r>
+            <a:r>
+              <a:rPr lang="en-IN" sz="1200" dirty="0" err="1"/>
+              <a:t>todomodel</a:t>
+            </a:r>
+            <a:endParaRPr lang="en-IN" sz="1200" dirty="0"/>
+          </a:p>
+          <a:p>
+            <a:r>
+              <a:rPr lang="en-IN" sz="1200" dirty="0"/>
+              <a:t>        </a:t>
+            </a:r>
+            <a:r>
+              <a:rPr lang="en-IN" sz="1200" dirty="0" err="1"/>
+              <a:t>ListElement</a:t>
+            </a:r>
+            <a:r>
+              <a:rPr lang="en-IN" sz="1200" dirty="0"/>
+              <a:t> {done: </a:t>
+            </a:r>
+            <a:r>
+              <a:rPr lang="en-IN" sz="1200" dirty="0" err="1"/>
+              <a:t>false;description</a:t>
+            </a:r>
+            <a:r>
+              <a:rPr lang="en-IN" sz="1200" dirty="0"/>
+              <a:t>:"wash the car"}</a:t>
+            </a:r>
+          </a:p>
+          <a:p>
+            <a:r>
+              <a:rPr lang="en-IN" sz="1200" dirty="0"/>
+              <a:t>        </a:t>
+            </a:r>
+            <a:r>
+              <a:rPr lang="en-IN" sz="1200" dirty="0" err="1"/>
+              <a:t>ListElement</a:t>
+            </a:r>
+            <a:r>
+              <a:rPr lang="en-IN" sz="1200" dirty="0"/>
+              <a:t> {done: </a:t>
+            </a:r>
+            <a:r>
+              <a:rPr lang="en-IN" sz="1200" dirty="0" err="1"/>
+              <a:t>false;description</a:t>
+            </a:r>
+            <a:r>
+              <a:rPr lang="en-IN" sz="1200" dirty="0"/>
+              <a:t>:"Buy milk and vegetables"}</a:t>
+            </a:r>
+          </a:p>
+          <a:p>
+            <a:r>
+              <a:rPr lang="en-IN" sz="1200" dirty="0"/>
+              <a:t>        </a:t>
+            </a:r>
+            <a:r>
+              <a:rPr lang="en-IN" sz="1200" dirty="0" err="1"/>
+              <a:t>ListElement</a:t>
+            </a:r>
+            <a:r>
+              <a:rPr lang="en-IN" sz="1200" dirty="0"/>
+              <a:t> {done: </a:t>
+            </a:r>
+            <a:r>
+              <a:rPr lang="en-IN" sz="1200" dirty="0" err="1"/>
+              <a:t>false;description</a:t>
+            </a:r>
+            <a:r>
+              <a:rPr lang="en-IN" sz="1200" dirty="0"/>
+              <a:t>:"do homework"}</a:t>
+            </a:r>
+          </a:p>
+          <a:p>
+            <a:r>
+              <a:rPr lang="en-IN" sz="1200" dirty="0"/>
+              <a:t>    }</a:t>
+            </a:r>
+          </a:p>
+          <a:p>
+            <a:r>
+              <a:rPr lang="en-IN" sz="1200" dirty="0"/>
+              <a:t>    </a:t>
+            </a:r>
+          </a:p>
+          <a:p>
+            <a:r>
+              <a:rPr lang="en-IN" sz="1200" dirty="0"/>
+              <a:t>    </a:t>
+            </a:r>
+            <a:r>
+              <a:rPr lang="en-IN" sz="1200" dirty="0" err="1"/>
+              <a:t>ListView</a:t>
+            </a:r>
+            <a:r>
+              <a:rPr lang="en-IN" sz="1200" dirty="0"/>
+              <a:t> {</a:t>
+            </a:r>
+          </a:p>
+          <a:p>
+            <a:r>
+              <a:rPr lang="en-IN" sz="1200" dirty="0"/>
+              <a:t>        id: </a:t>
+            </a:r>
+            <a:r>
+              <a:rPr lang="en-IN" sz="1200" dirty="0" err="1"/>
+              <a:t>todoView</a:t>
+            </a:r>
+            <a:endParaRPr lang="en-IN" sz="1200" dirty="0"/>
+          </a:p>
+          <a:p>
+            <a:r>
+              <a:rPr lang="en-IN" sz="1200" dirty="0"/>
+              <a:t>        model: </a:t>
+            </a:r>
+            <a:r>
+              <a:rPr lang="en-IN" sz="1200" dirty="0" err="1"/>
+              <a:t>todomodel</a:t>
+            </a:r>
+            <a:endParaRPr lang="en-IN" sz="1200" dirty="0"/>
+          </a:p>
+          <a:p>
+            <a:r>
+              <a:rPr lang="en-IN" sz="1200" dirty="0"/>
+              <a:t>        delegate: Row {</a:t>
+            </a:r>
+          </a:p>
+          <a:p>
+            <a:r>
+              <a:rPr lang="en-IN" sz="1200" dirty="0"/>
+              <a:t>            </a:t>
+            </a:r>
+            <a:r>
+              <a:rPr lang="en-IN" sz="1200" dirty="0" err="1"/>
+              <a:t>CheckBox</a:t>
+            </a:r>
+            <a:r>
+              <a:rPr lang="en-IN" sz="1200" dirty="0"/>
+              <a:t> {checked: </a:t>
+            </a:r>
+            <a:r>
+              <a:rPr lang="en-IN" sz="1200" dirty="0" err="1"/>
+              <a:t>model.done</a:t>
+            </a:r>
+            <a:r>
+              <a:rPr lang="en-IN" sz="1200" dirty="0"/>
+              <a:t>}</a:t>
+            </a:r>
+          </a:p>
+          <a:p>
+            <a:r>
+              <a:rPr lang="en-IN" sz="1200" dirty="0"/>
+              <a:t>            </a:t>
+            </a:r>
+            <a:r>
+              <a:rPr lang="en-IN" sz="1200" dirty="0" err="1"/>
+              <a:t>TextInput</a:t>
+            </a:r>
+            <a:r>
+              <a:rPr lang="en-IN" sz="1200" dirty="0"/>
+              <a:t> { text: </a:t>
+            </a:r>
+            <a:r>
+              <a:rPr lang="en-IN" sz="1200" dirty="0" err="1"/>
+              <a:t>model.description</a:t>
+            </a:r>
+            <a:r>
+              <a:rPr lang="en-IN" sz="1200" dirty="0"/>
+              <a:t>}</a:t>
+            </a:r>
+          </a:p>
+          <a:p>
+            <a:r>
+              <a:rPr lang="en-IN" sz="1200" dirty="0"/>
+              <a:t>        }</a:t>
+            </a:r>
+          </a:p>
+          <a:p>
+            <a:r>
+              <a:rPr lang="en-IN" sz="1200" dirty="0"/>
+              <a:t>    }</a:t>
+            </a:r>
+          </a:p>
+        </p:txBody>
+      </p:sp>
     </p:spTree>
     <p:extLst>
       <p:ext uri="{BB962C8B-B14F-4D97-AF65-F5344CB8AC3E}">
-        <p14:creationId xmlns:p14="http://schemas.microsoft.com/office/powerpoint/2010/main" val="2969939242"/>
+        <p14:creationId xmlns:p14="http://schemas.microsoft.com/office/powerpoint/2010/main" val="3962175507"/>
       </p:ext>
     </p:extLst>
   </p:cSld>
@@ -4791,7 +5433,226 @@
 </p:sld>
 </file>
 
-<file path=ppt/slides/slide13.xml><?xml version="1.0" encoding="utf-8"?>
+<file path=ppt/slides/slide14.xml><?xml version="1.0" encoding="utf-8"?>
+<p:sld xmlns:a="http://schemas.openxmlformats.org/drawingml/2006/main" xmlns:r="http://schemas.openxmlformats.org/officeDocument/2006/relationships" xmlns:p="http://schemas.openxmlformats.org/presentationml/2006/main">
+  <p:cSld>
+    <p:spTree>
+      <p:nvGrpSpPr>
+        <p:cNvPr id="1" name=""/>
+        <p:cNvGrpSpPr/>
+        <p:nvPr/>
+      </p:nvGrpSpPr>
+      <p:grpSpPr>
+        <a:xfrm>
+          <a:off x="0" y="0"/>
+          <a:ext cx="0" cy="0"/>
+          <a:chOff x="0" y="0"/>
+          <a:chExt cx="0" cy="0"/>
+        </a:xfrm>
+      </p:grpSpPr>
+      <p:sp>
+        <p:nvSpPr>
+          <p:cNvPr id="3" name="TextBox 2">
+            <a:extLst>
+              <a:ext uri="{FF2B5EF4-FFF2-40B4-BE49-F238E27FC236}">
+                <a16:creationId xmlns:a16="http://schemas.microsoft.com/office/drawing/2014/main" id="{53F82446-8DBB-40AB-9DAC-A1A950A7BFE1}"/>
+              </a:ext>
+            </a:extLst>
+          </p:cNvPr>
+          <p:cNvSpPr txBox="1"/>
+          <p:nvPr/>
+        </p:nvSpPr>
+        <p:spPr>
+          <a:xfrm>
+            <a:off x="178594" y="185299"/>
+            <a:ext cx="4786313" cy="461665"/>
+          </a:xfrm>
+          <a:prstGeom prst="rect">
+            <a:avLst/>
+          </a:prstGeom>
+          <a:noFill/>
+        </p:spPr>
+        <p:txBody>
+          <a:bodyPr wrap="square" rtlCol="0">
+            <a:spAutoFit/>
+          </a:bodyPr>
+          <a:lstStyle/>
+          <a:p>
+            <a:r>
+              <a:rPr lang="en-US" sz="2400" dirty="0">
+                <a:solidFill>
+                  <a:schemeClr val="tx2"/>
+                </a:solidFill>
+              </a:rPr>
+              <a:t>QML </a:t>
+            </a:r>
+            <a:endParaRPr lang="en-IN" sz="2400" dirty="0">
+              <a:solidFill>
+                <a:schemeClr val="tx2"/>
+              </a:solidFill>
+            </a:endParaRPr>
+          </a:p>
+        </p:txBody>
+      </p:sp>
+      <p:sp>
+        <p:nvSpPr>
+          <p:cNvPr id="4" name="Rectangle 3">
+            <a:extLst>
+              <a:ext uri="{FF2B5EF4-FFF2-40B4-BE49-F238E27FC236}">
+                <a16:creationId xmlns:a16="http://schemas.microsoft.com/office/drawing/2014/main" id="{54DCDA45-AEF1-42AF-A9B9-D6F36D68E768}"/>
+              </a:ext>
+            </a:extLst>
+          </p:cNvPr>
+          <p:cNvSpPr/>
+          <p:nvPr/>
+        </p:nvSpPr>
+        <p:spPr>
+          <a:xfrm>
+            <a:off x="1202051" y="911769"/>
+            <a:ext cx="5886645" cy="461666"/>
+          </a:xfrm>
+          <a:prstGeom prst="rect">
+            <a:avLst/>
+          </a:prstGeom>
+          <a:noFill/>
+        </p:spPr>
+        <p:txBody>
+          <a:bodyPr wrap="square" lIns="91440" tIns="45720" rIns="91440" bIns="45720">
+            <a:normAutofit fontScale="92500" lnSpcReduction="10000"/>
+          </a:bodyPr>
+          <a:lstStyle/>
+          <a:p>
+            <a:pPr algn="ctr"/>
+            <a:r>
+              <a:rPr lang="en-IN" sz="2800" dirty="0">
+                <a:ln w="0"/>
+                <a:effectLst>
+                  <a:outerShdw blurRad="38100" dist="19050" dir="2700000" algn="tl" rotWithShape="0">
+                    <a:schemeClr val="dk1">
+                      <a:alpha val="40000"/>
+                    </a:schemeClr>
+                  </a:outerShdw>
+                </a:effectLst>
+              </a:rPr>
+              <a:t>Animations</a:t>
+            </a:r>
+            <a:endParaRPr lang="en-US" sz="2800" b="0" cap="none" spc="0" dirty="0">
+              <a:ln w="0"/>
+              <a:solidFill>
+                <a:schemeClr val="tx1"/>
+              </a:solidFill>
+              <a:effectLst>
+                <a:outerShdw blurRad="38100" dist="19050" dir="2700000" algn="tl" rotWithShape="0">
+                  <a:schemeClr val="dk1">
+                    <a:alpha val="40000"/>
+                  </a:schemeClr>
+                </a:outerShdw>
+              </a:effectLst>
+            </a:endParaRPr>
+          </a:p>
+        </p:txBody>
+      </p:sp>
+      <p:sp>
+        <p:nvSpPr>
+          <p:cNvPr id="5" name="Rectangle 4">
+            <a:extLst>
+              <a:ext uri="{FF2B5EF4-FFF2-40B4-BE49-F238E27FC236}">
+                <a16:creationId xmlns:a16="http://schemas.microsoft.com/office/drawing/2014/main" id="{C7F92A7E-4AFE-4127-BC72-3913C177673F}"/>
+              </a:ext>
+            </a:extLst>
+          </p:cNvPr>
+          <p:cNvSpPr/>
+          <p:nvPr/>
+        </p:nvSpPr>
+        <p:spPr>
+          <a:xfrm>
+            <a:off x="473977" y="1677655"/>
+            <a:ext cx="8082793" cy="923330"/>
+          </a:xfrm>
+          <a:prstGeom prst="rect">
+            <a:avLst/>
+          </a:prstGeom>
+        </p:spPr>
+        <p:txBody>
+          <a:bodyPr wrap="square">
+            <a:spAutoFit/>
+          </a:bodyPr>
+          <a:lstStyle/>
+          <a:p>
+            <a:r>
+              <a:rPr lang="en-IN" dirty="0">
+                <a:solidFill>
+                  <a:srgbClr val="333333"/>
+                </a:solidFill>
+                <a:latin typeface="Georgia" panose="02040502050405020303" pitchFamily="18" charset="0"/>
+              </a:rPr>
+              <a:t>Animations are applied to property changes. An animation defines the interpolation curve when for property value changes to create smooth transitions from one value to another</a:t>
+            </a:r>
+            <a:endParaRPr lang="en-IN" dirty="0"/>
+          </a:p>
+        </p:txBody>
+      </p:sp>
+      <p:pic>
+        <p:nvPicPr>
+          <p:cNvPr id="1026" name="Picture 2">
+            <a:extLst>
+              <a:ext uri="{FF2B5EF4-FFF2-40B4-BE49-F238E27FC236}">
+                <a16:creationId xmlns:a16="http://schemas.microsoft.com/office/drawing/2014/main" id="{052B9733-D6D1-446B-B530-E79D5B2D5F0E}"/>
+              </a:ext>
+            </a:extLst>
+          </p:cNvPr>
+          <p:cNvPicPr>
+            <a:picLocks noChangeAspect="1" noChangeArrowheads="1"/>
+          </p:cNvPicPr>
+          <p:nvPr/>
+        </p:nvPicPr>
+        <p:blipFill>
+          <a:blip r:embed="rId2" cstate="email">
+            <a:extLst>
+              <a:ext uri="{28A0092B-C50C-407E-A947-70E740481C1C}">
+                <a14:useLocalDpi xmlns:a14="http://schemas.microsoft.com/office/drawing/2010/main" val="0"/>
+              </a:ext>
+            </a:extLst>
+          </a:blip>
+          <a:srcRect/>
+          <a:stretch>
+            <a:fillRect/>
+          </a:stretch>
+        </p:blipFill>
+        <p:spPr bwMode="auto">
+          <a:xfrm>
+            <a:off x="2498066" y="2905205"/>
+            <a:ext cx="3294613" cy="3294613"/>
+          </a:xfrm>
+          <a:prstGeom prst="rect">
+            <a:avLst/>
+          </a:prstGeom>
+          <a:noFill/>
+          <a:extLst>
+            <a:ext uri="{909E8E84-426E-40DD-AFC4-6F175D3DCCD1}">
+              <a14:hiddenFill xmlns:a14="http://schemas.microsoft.com/office/drawing/2010/main">
+                <a:solidFill>
+                  <a:srgbClr val="FFFFFF"/>
+                </a:solidFill>
+              </a14:hiddenFill>
+            </a:ext>
+          </a:extLst>
+        </p:spPr>
+      </p:pic>
+    </p:spTree>
+    <p:extLst>
+      <p:ext uri="{BB962C8B-B14F-4D97-AF65-F5344CB8AC3E}">
+        <p14:creationId xmlns:p14="http://schemas.microsoft.com/office/powerpoint/2010/main" val="3833905000"/>
+      </p:ext>
+    </p:extLst>
+  </p:cSld>
+  <p:clrMapOvr>
+    <a:masterClrMapping/>
+  </p:clrMapOvr>
+</p:sld>
+</file>
+
+<file path=ppt/slides/slide15.xml><?xml version="1.0" encoding="utf-8"?>
 <p:sld xmlns:a="http://schemas.openxmlformats.org/drawingml/2006/main" xmlns:r="http://schemas.openxmlformats.org/officeDocument/2006/relationships" xmlns:p="http://schemas.openxmlformats.org/presentationml/2006/main">
   <p:cSld>
     <p:spTree>
@@ -5298,7 +6159,7 @@
         <p:spPr>
           <a:xfrm>
             <a:off x="377506" y="1082180"/>
-            <a:ext cx="8539992" cy="4247317"/>
+            <a:ext cx="8539992" cy="3693319"/>
           </a:xfrm>
           <a:prstGeom prst="rect">
             <a:avLst/>
@@ -5381,7 +6242,7 @@
             </a:pPr>
             <a:r>
               <a:rPr lang="en-IN" dirty="0"/>
-              <a:t>Component Layouts (Row Column Grid) </a:t>
+              <a:t>Component Layouts (Row, Column, Grid) </a:t>
             </a:r>
           </a:p>
           <a:p>
@@ -5410,26 +6271,6 @@
             <a:r>
               <a:rPr lang="en-IN" dirty="0"/>
               <a:t>Mouse Events</a:t>
-            </a:r>
-          </a:p>
-          <a:p>
-            <a:pPr marL="285750" indent="-285750">
-              <a:buFont typeface="Arial" panose="020B0604020202020204" pitchFamily="34" charset="0"/>
-              <a:buChar char="•"/>
-            </a:pPr>
-            <a:r>
-              <a:rPr lang="en-IN" dirty="0"/>
-              <a:t>Text Handling </a:t>
-            </a:r>
-          </a:p>
-          <a:p>
-            <a:pPr marL="285750" indent="-285750">
-              <a:buFont typeface="Arial" panose="020B0604020202020204" pitchFamily="34" charset="0"/>
-              <a:buChar char="•"/>
-            </a:pPr>
-            <a:r>
-              <a:rPr lang="en-IN" dirty="0"/>
-              <a:t>Keyboard Focus</a:t>
             </a:r>
           </a:p>
           <a:p>
@@ -5458,6 +6299,349 @@
 </file>
 
 <file path=ppt/slides/slide4.xml><?xml version="1.0" encoding="utf-8"?>
+<p:sld xmlns:a="http://schemas.openxmlformats.org/drawingml/2006/main" xmlns:r="http://schemas.openxmlformats.org/officeDocument/2006/relationships" xmlns:p="http://schemas.openxmlformats.org/presentationml/2006/main">
+  <p:cSld>
+    <p:spTree>
+      <p:nvGrpSpPr>
+        <p:cNvPr id="1" name=""/>
+        <p:cNvGrpSpPr/>
+        <p:nvPr/>
+      </p:nvGrpSpPr>
+      <p:grpSpPr>
+        <a:xfrm>
+          <a:off x="0" y="0"/>
+          <a:ext cx="0" cy="0"/>
+          <a:chOff x="0" y="0"/>
+          <a:chExt cx="0" cy="0"/>
+        </a:xfrm>
+      </p:grpSpPr>
+      <p:sp>
+        <p:nvSpPr>
+          <p:cNvPr id="3" name="TextBox 2">
+            <a:extLst>
+              <a:ext uri="{FF2B5EF4-FFF2-40B4-BE49-F238E27FC236}">
+                <a16:creationId xmlns:a16="http://schemas.microsoft.com/office/drawing/2014/main" id="{37718E88-1534-49BA-AEFD-4F1BA612B6FF}"/>
+              </a:ext>
+            </a:extLst>
+          </p:cNvPr>
+          <p:cNvSpPr txBox="1"/>
+          <p:nvPr/>
+        </p:nvSpPr>
+        <p:spPr>
+          <a:xfrm>
+            <a:off x="178594" y="185299"/>
+            <a:ext cx="4786313" cy="461665"/>
+          </a:xfrm>
+          <a:prstGeom prst="rect">
+            <a:avLst/>
+          </a:prstGeom>
+          <a:noFill/>
+        </p:spPr>
+        <p:txBody>
+          <a:bodyPr wrap="square" rtlCol="0">
+            <a:spAutoFit/>
+          </a:bodyPr>
+          <a:lstStyle/>
+          <a:p>
+            <a:r>
+              <a:rPr lang="en-US" sz="2400" dirty="0">
+                <a:solidFill>
+                  <a:schemeClr val="tx2"/>
+                </a:solidFill>
+              </a:rPr>
+              <a:t>QML </a:t>
+            </a:r>
+            <a:endParaRPr lang="en-IN" sz="2400" dirty="0">
+              <a:solidFill>
+                <a:schemeClr val="tx2"/>
+              </a:solidFill>
+            </a:endParaRPr>
+          </a:p>
+        </p:txBody>
+      </p:sp>
+      <p:sp>
+        <p:nvSpPr>
+          <p:cNvPr id="4" name="Rectangle 3">
+            <a:extLst>
+              <a:ext uri="{FF2B5EF4-FFF2-40B4-BE49-F238E27FC236}">
+                <a16:creationId xmlns:a16="http://schemas.microsoft.com/office/drawing/2014/main" id="{063C148C-1EA1-404C-989F-1544E587D8C0}"/>
+              </a:ext>
+            </a:extLst>
+          </p:cNvPr>
+          <p:cNvSpPr/>
+          <p:nvPr/>
+        </p:nvSpPr>
+        <p:spPr>
+          <a:xfrm>
+            <a:off x="1202051" y="644334"/>
+            <a:ext cx="5886645" cy="461666"/>
+          </a:xfrm>
+          <a:prstGeom prst="rect">
+            <a:avLst/>
+          </a:prstGeom>
+          <a:noFill/>
+        </p:spPr>
+        <p:txBody>
+          <a:bodyPr wrap="square" lIns="91440" tIns="45720" rIns="91440" bIns="45720">
+            <a:normAutofit fontScale="92500" lnSpcReduction="10000"/>
+          </a:bodyPr>
+          <a:lstStyle/>
+          <a:p>
+            <a:pPr algn="ctr"/>
+            <a:r>
+              <a:rPr lang="en-US" sz="2800" dirty="0">
+                <a:ln w="0"/>
+                <a:effectLst>
+                  <a:outerShdw blurRad="38100" dist="19050" dir="2700000" algn="tl" rotWithShape="0">
+                    <a:schemeClr val="dk1">
+                      <a:alpha val="40000"/>
+                    </a:schemeClr>
+                  </a:outerShdw>
+                </a:effectLst>
+              </a:rPr>
+              <a:t>Basic Element : Item</a:t>
+            </a:r>
+          </a:p>
+          <a:p>
+            <a:pPr algn="ctr"/>
+            <a:endParaRPr lang="en-US" sz="2800" b="0" cap="none" spc="0" dirty="0">
+              <a:ln w="0"/>
+              <a:solidFill>
+                <a:schemeClr val="tx1"/>
+              </a:solidFill>
+              <a:effectLst>
+                <a:outerShdw blurRad="38100" dist="19050" dir="2700000" algn="tl" rotWithShape="0">
+                  <a:schemeClr val="dk1">
+                    <a:alpha val="40000"/>
+                  </a:schemeClr>
+                </a:outerShdw>
+              </a:effectLst>
+            </a:endParaRPr>
+          </a:p>
+        </p:txBody>
+      </p:sp>
+      <p:sp>
+        <p:nvSpPr>
+          <p:cNvPr id="5" name="Rectangle 4">
+            <a:extLst>
+              <a:ext uri="{FF2B5EF4-FFF2-40B4-BE49-F238E27FC236}">
+                <a16:creationId xmlns:a16="http://schemas.microsoft.com/office/drawing/2014/main" id="{6C79824D-B80B-4631-855A-7F8866C00E91}"/>
+              </a:ext>
+            </a:extLst>
+          </p:cNvPr>
+          <p:cNvSpPr/>
+          <p:nvPr/>
+        </p:nvSpPr>
+        <p:spPr>
+          <a:xfrm>
+            <a:off x="178594" y="1174045"/>
+            <a:ext cx="8579512" cy="830997"/>
+          </a:xfrm>
+          <a:prstGeom prst="rect">
+            <a:avLst/>
+          </a:prstGeom>
+        </p:spPr>
+        <p:txBody>
+          <a:bodyPr wrap="square">
+            <a:spAutoFit/>
+          </a:bodyPr>
+          <a:lstStyle/>
+          <a:p>
+            <a:r>
+              <a:rPr lang="en-IN" sz="1600" dirty="0"/>
+              <a:t>Item is the base element for all visual elements as such all other visual elements inherits from Item. It doesn’t paint anything by itself but defines all properties which are common across all visual elements:</a:t>
+            </a:r>
+          </a:p>
+        </p:txBody>
+      </p:sp>
+      <p:pic>
+        <p:nvPicPr>
+          <p:cNvPr id="6" name="Picture 5">
+            <a:extLst>
+              <a:ext uri="{FF2B5EF4-FFF2-40B4-BE49-F238E27FC236}">
+                <a16:creationId xmlns:a16="http://schemas.microsoft.com/office/drawing/2014/main" id="{0C011B3C-8CFB-4496-8D34-8EF2337550D1}"/>
+              </a:ext>
+            </a:extLst>
+          </p:cNvPr>
+          <p:cNvPicPr>
+            <a:picLocks noChangeAspect="1"/>
+          </p:cNvPicPr>
+          <p:nvPr/>
+        </p:nvPicPr>
+        <p:blipFill>
+          <a:blip r:embed="rId2"/>
+          <a:stretch>
+            <a:fillRect/>
+          </a:stretch>
+        </p:blipFill>
+        <p:spPr>
+          <a:xfrm>
+            <a:off x="178594" y="2165420"/>
+            <a:ext cx="8786812" cy="4299740"/>
+          </a:xfrm>
+          <a:prstGeom prst="rect">
+            <a:avLst/>
+          </a:prstGeom>
+        </p:spPr>
+      </p:pic>
+    </p:spTree>
+    <p:extLst>
+      <p:ext uri="{BB962C8B-B14F-4D97-AF65-F5344CB8AC3E}">
+        <p14:creationId xmlns:p14="http://schemas.microsoft.com/office/powerpoint/2010/main" val="2998641413"/>
+      </p:ext>
+    </p:extLst>
+  </p:cSld>
+  <p:clrMapOvr>
+    <a:masterClrMapping/>
+  </p:clrMapOvr>
+</p:sld>
+</file>
+
+<file path=ppt/slides/slide5.xml><?xml version="1.0" encoding="utf-8"?>
+<p:sld xmlns:a="http://schemas.openxmlformats.org/drawingml/2006/main" xmlns:r="http://schemas.openxmlformats.org/officeDocument/2006/relationships" xmlns:p="http://schemas.openxmlformats.org/presentationml/2006/main">
+  <p:cSld>
+    <p:spTree>
+      <p:nvGrpSpPr>
+        <p:cNvPr id="1" name=""/>
+        <p:cNvGrpSpPr/>
+        <p:nvPr/>
+      </p:nvGrpSpPr>
+      <p:grpSpPr>
+        <a:xfrm>
+          <a:off x="0" y="0"/>
+          <a:ext cx="0" cy="0"/>
+          <a:chOff x="0" y="0"/>
+          <a:chExt cx="0" cy="0"/>
+        </a:xfrm>
+      </p:grpSpPr>
+      <p:pic>
+        <p:nvPicPr>
+          <p:cNvPr id="3" name="Picture 2">
+            <a:extLst>
+              <a:ext uri="{FF2B5EF4-FFF2-40B4-BE49-F238E27FC236}">
+                <a16:creationId xmlns:a16="http://schemas.microsoft.com/office/drawing/2014/main" id="{10ABE20E-AAB7-4E2E-87A4-579BD6762529}"/>
+              </a:ext>
+            </a:extLst>
+          </p:cNvPr>
+          <p:cNvPicPr>
+            <a:picLocks noChangeAspect="1"/>
+          </p:cNvPicPr>
+          <p:nvPr/>
+        </p:nvPicPr>
+        <p:blipFill>
+          <a:blip r:embed="rId2"/>
+          <a:stretch>
+            <a:fillRect/>
+          </a:stretch>
+        </p:blipFill>
+        <p:spPr>
+          <a:xfrm>
+            <a:off x="251670" y="726198"/>
+            <a:ext cx="8480079" cy="5993383"/>
+          </a:xfrm>
+          <a:prstGeom prst="rect">
+            <a:avLst/>
+          </a:prstGeom>
+        </p:spPr>
+      </p:pic>
+      <p:sp>
+        <p:nvSpPr>
+          <p:cNvPr id="4" name="Rectangle 3">
+            <a:extLst>
+              <a:ext uri="{FF2B5EF4-FFF2-40B4-BE49-F238E27FC236}">
+                <a16:creationId xmlns:a16="http://schemas.microsoft.com/office/drawing/2014/main" id="{7CBB51F9-EDB5-406D-9C9E-31F088DAFFE8}"/>
+              </a:ext>
+            </a:extLst>
+          </p:cNvPr>
+          <p:cNvSpPr/>
+          <p:nvPr/>
+        </p:nvSpPr>
+        <p:spPr>
+          <a:xfrm>
+            <a:off x="-551248" y="182668"/>
+            <a:ext cx="5886645" cy="461666"/>
+          </a:xfrm>
+          <a:prstGeom prst="rect">
+            <a:avLst/>
+          </a:prstGeom>
+          <a:noFill/>
+        </p:spPr>
+        <p:txBody>
+          <a:bodyPr wrap="square" lIns="91440" tIns="45720" rIns="91440" bIns="45720">
+            <a:normAutofit fontScale="92500" lnSpcReduction="10000"/>
+          </a:bodyPr>
+          <a:lstStyle/>
+          <a:p>
+            <a:pPr algn="ctr"/>
+            <a:r>
+              <a:rPr lang="en-US" sz="2800" dirty="0">
+                <a:ln w="0"/>
+                <a:effectLst>
+                  <a:outerShdw blurRad="38100" dist="19050" dir="2700000" algn="tl" rotWithShape="0">
+                    <a:schemeClr val="dk1">
+                      <a:alpha val="40000"/>
+                    </a:schemeClr>
+                  </a:outerShdw>
+                </a:effectLst>
+              </a:rPr>
+              <a:t>A Typical </a:t>
+            </a:r>
+            <a:r>
+              <a:rPr lang="en-US" sz="2800" dirty="0" err="1">
+                <a:ln w="0"/>
+                <a:effectLst>
+                  <a:outerShdw blurRad="38100" dist="19050" dir="2700000" algn="tl" rotWithShape="0">
+                    <a:schemeClr val="dk1">
+                      <a:alpha val="40000"/>
+                    </a:schemeClr>
+                  </a:outerShdw>
+                </a:effectLst>
+              </a:rPr>
+              <a:t>Qml</a:t>
+            </a:r>
+            <a:r>
+              <a:rPr lang="en-US" sz="2800" dirty="0">
+                <a:ln w="0"/>
+                <a:effectLst>
+                  <a:outerShdw blurRad="38100" dist="19050" dir="2700000" algn="tl" rotWithShape="0">
+                    <a:schemeClr val="dk1">
+                      <a:alpha val="40000"/>
+                    </a:schemeClr>
+                  </a:outerShdw>
+                </a:effectLst>
+              </a:rPr>
+              <a:t> Object </a:t>
+            </a:r>
+            <a:endParaRPr lang="en-US" sz="2800" b="0" cap="none" spc="0" dirty="0">
+              <a:ln w="0"/>
+              <a:solidFill>
+                <a:schemeClr val="tx1"/>
+              </a:solidFill>
+              <a:effectLst>
+                <a:outerShdw blurRad="38100" dist="19050" dir="2700000" algn="tl" rotWithShape="0">
+                  <a:schemeClr val="dk1">
+                    <a:alpha val="40000"/>
+                  </a:schemeClr>
+                </a:outerShdw>
+              </a:effectLst>
+            </a:endParaRPr>
+          </a:p>
+        </p:txBody>
+      </p:sp>
+    </p:spTree>
+    <p:extLst>
+      <p:ext uri="{BB962C8B-B14F-4D97-AF65-F5344CB8AC3E}">
+        <p14:creationId xmlns:p14="http://schemas.microsoft.com/office/powerpoint/2010/main" val="4178584193"/>
+      </p:ext>
+    </p:extLst>
+  </p:cSld>
+  <p:clrMapOvr>
+    <a:masterClrMapping/>
+  </p:clrMapOvr>
+</p:sld>
+</file>
+
+<file path=ppt/slides/slide6.xml><?xml version="1.0" encoding="utf-8"?>
 <p:sld xmlns:a="http://schemas.openxmlformats.org/drawingml/2006/main" xmlns:r="http://schemas.openxmlformats.org/officeDocument/2006/relationships" xmlns:p="http://schemas.openxmlformats.org/presentationml/2006/main">
   <p:cSld>
     <p:spTree>
@@ -5636,8 +6820,8 @@
         </p:nvSpPr>
         <p:spPr bwMode="auto">
           <a:xfrm>
-            <a:off x="275321" y="1573337"/>
-            <a:ext cx="8593357" cy="2339102"/>
+            <a:off x="275321" y="1973446"/>
+            <a:ext cx="8593357" cy="1538883"/>
           </a:xfrm>
           <a:prstGeom prst="rect">
             <a:avLst/>
@@ -5815,11 +6999,8 @@
             <a:pPr lvl="0"/>
             <a:r>
               <a:rPr lang="en-IN" dirty="0"/>
-              <a:t>A component provides a way of defining a new type that we can re-use in other QML files. A QML component is like a black-box and interacts with the outside world through properties, signals and functions and is generally defined in its own QML file. The component's filename must always start with a capital letter.</a:t>
-            </a:r>
-          </a:p>
-          <a:p>
-            <a:pPr lvl="0"/>
+              <a:t>A component provides a way of defining a new type that we can re-use in other QML files. </a:t>
+            </a:r>
             <a:endParaRPr lang="en-IN" altLang="en-US" sz="1600" dirty="0">
               <a:latin typeface="+mj-lt"/>
             </a:endParaRPr>
@@ -5958,7 +7139,7 @@
 </p:sld>
 </file>
 
-<file path=ppt/slides/slide5.xml><?xml version="1.0" encoding="utf-8"?>
+<file path=ppt/slides/slide7.xml><?xml version="1.0" encoding="utf-8"?>
 <p:sld xmlns:a="http://schemas.openxmlformats.org/drawingml/2006/main" xmlns:r="http://schemas.openxmlformats.org/officeDocument/2006/relationships" xmlns:p="http://schemas.openxmlformats.org/presentationml/2006/main">
   <p:cSld>
     <p:spTree>
@@ -7599,7 +8780,7 @@
 </p:sld>
 </file>
 
-<file path=ppt/slides/slide6.xml><?xml version="1.0" encoding="utf-8"?>
+<file path=ppt/slides/slide8.xml><?xml version="1.0" encoding="utf-8"?>
 <p:sld xmlns:a="http://schemas.openxmlformats.org/drawingml/2006/main" xmlns:r="http://schemas.openxmlformats.org/officeDocument/2006/relationships" xmlns:p="http://schemas.openxmlformats.org/presentationml/2006/main">
   <p:cSld>
     <p:spTree>
@@ -7778,8 +8959,8 @@
         </p:nvSpPr>
         <p:spPr bwMode="auto">
           <a:xfrm>
-            <a:off x="275321" y="1496393"/>
-            <a:ext cx="8593357" cy="2492990"/>
+            <a:off x="275321" y="1955836"/>
+            <a:ext cx="8593357" cy="553998"/>
           </a:xfrm>
           <a:prstGeom prst="rect">
             <a:avLst/>
@@ -7957,18 +9138,7 @@
             <a:pPr lvl="0"/>
             <a:r>
               <a:rPr lang="en-IN" dirty="0"/>
-              <a:t>Property bindings are a core feature of QML that lets developers specify relationships between different object properties. When a property's dependencies change in value, the property is automatically updated according to the specified relationship.</a:t>
-            </a:r>
-          </a:p>
-          <a:p>
-            <a:pPr lvl="0"/>
-            <a:endParaRPr lang="en-IN" dirty="0"/>
-          </a:p>
-          <a:p>
-            <a:pPr lvl="0"/>
-            <a:r>
-              <a:rPr lang="en-IN" dirty="0"/>
-              <a:t>Behind the scenes, the QML engine monitors the property's dependencies (that is, the variables in the binding expression). When a change is detected, the QML engine re-evaluates the binding expression and applies the new result to the property.</a:t>
+              <a:t>Property bindings are a core feature of QML that lets developers specify relationships between different object properties. </a:t>
             </a:r>
             <a:endParaRPr kumimoji="0" lang="en-US" altLang="en-US" sz="1600" b="0" i="0" u="none" strike="noStrike" cap="none" normalizeH="0" baseline="0" dirty="0">
               <a:ln>
@@ -7997,8 +9167,8 @@
         </p:nvSpPr>
         <p:spPr>
           <a:xfrm>
-            <a:off x="444617" y="4286774"/>
-            <a:ext cx="5847126" cy="2246769"/>
+            <a:off x="444616" y="3437389"/>
+            <a:ext cx="5847126" cy="2677656"/>
           </a:xfrm>
           <a:prstGeom prst="rect">
             <a:avLst/>
@@ -8019,7 +9189,19 @@
           <a:p>
             <a:r>
               <a:rPr lang="en-IN" sz="1400" dirty="0"/>
-              <a:t>        width: 200; height: 200; </a:t>
+              <a:t>        width: 200</a:t>
+            </a:r>
+          </a:p>
+          <a:p>
+            <a:r>
+              <a:rPr lang="en-IN" sz="1400" dirty="0"/>
+              <a:t>        height: 200</a:t>
+            </a:r>
+          </a:p>
+          <a:p>
+            <a:r>
+              <a:rPr lang="en-IN" sz="1400" dirty="0"/>
+              <a:t>        </a:t>
             </a:r>
             <a:r>
               <a:rPr lang="en-IN" sz="1400" dirty="0" err="1"/>
@@ -8131,7 +9313,7 @@
         </p:blipFill>
         <p:spPr>
           <a:xfrm>
-            <a:off x="4429605" y="4389148"/>
+            <a:off x="4647719" y="3420611"/>
             <a:ext cx="3724275" cy="2247900"/>
           </a:xfrm>
           <a:prstGeom prst="rect">
@@ -8139,6 +9321,50 @@
           </a:prstGeom>
         </p:spPr>
       </p:pic>
+      <p:sp>
+        <p:nvSpPr>
+          <p:cNvPr id="2" name="Arrow: Right 1">
+            <a:extLst>
+              <a:ext uri="{FF2B5EF4-FFF2-40B4-BE49-F238E27FC236}">
+                <a16:creationId xmlns:a16="http://schemas.microsoft.com/office/drawing/2014/main" id="{E2454122-B753-4FDB-A84E-642F02EAB6A5}"/>
+              </a:ext>
+            </a:extLst>
+          </p:cNvPr>
+          <p:cNvSpPr/>
+          <p:nvPr/>
+        </p:nvSpPr>
+        <p:spPr>
+          <a:xfrm>
+            <a:off x="6694415" y="4211273"/>
+            <a:ext cx="302003" cy="276837"/>
+          </a:xfrm>
+          <a:prstGeom prst="rightArrow">
+            <a:avLst/>
+          </a:prstGeom>
+        </p:spPr>
+        <p:style>
+          <a:lnRef idx="1">
+            <a:schemeClr val="accent1"/>
+          </a:lnRef>
+          <a:fillRef idx="3">
+            <a:schemeClr val="accent1"/>
+          </a:fillRef>
+          <a:effectRef idx="2">
+            <a:schemeClr val="accent1"/>
+          </a:effectRef>
+          <a:fontRef idx="minor">
+            <a:schemeClr val="lt1"/>
+          </a:fontRef>
+        </p:style>
+        <p:txBody>
+          <a:bodyPr rtlCol="0" anchor="ctr"/>
+          <a:lstStyle/>
+          <a:p>
+            <a:pPr algn="ctr"/>
+            <a:endParaRPr lang="en-IN"/>
+          </a:p>
+        </p:txBody>
+      </p:sp>
     </p:spTree>
     <p:extLst>
       <p:ext uri="{BB962C8B-B14F-4D97-AF65-F5344CB8AC3E}">
@@ -8152,7 +9378,7 @@
 </p:sld>
 </file>
 
-<file path=ppt/slides/slide7.xml><?xml version="1.0" encoding="utf-8"?>
+<file path=ppt/slides/slide9.xml><?xml version="1.0" encoding="utf-8"?>
 <p:sld xmlns:a="http://schemas.openxmlformats.org/drawingml/2006/main" xmlns:r="http://schemas.openxmlformats.org/officeDocument/2006/relationships" xmlns:p="http://schemas.openxmlformats.org/presentationml/2006/main">
   <p:cSld>
     <p:spTree>
@@ -8331,8 +9557,8 @@
         </p:nvSpPr>
         <p:spPr bwMode="auto">
           <a:xfrm>
-            <a:off x="275321" y="1645829"/>
-            <a:ext cx="8593357" cy="1661993"/>
+            <a:off x="275321" y="1847488"/>
+            <a:ext cx="8593357" cy="553998"/>
           </a:xfrm>
           <a:prstGeom prst="rect">
             <a:avLst/>
@@ -8510,7 +9736,7 @@
             <a:pPr lvl="0"/>
             <a:r>
               <a:rPr lang="en-IN" dirty="0"/>
-              <a:t>Positioner items are container items that manage the positions of items in a declarative user interface. Positioners make it easier to work with many items when they need to be arranged in a regular layout. Qt Quick Layouts can also be used to arrange Qt Quick items in a user interface. They manage both the positions and the sizes of items on a declarative user interface and are well suited for resizable user interfaces.</a:t>
+              <a:t>Positioner items are container items that manage the positions of items in a declarative user interface. </a:t>
             </a:r>
             <a:endParaRPr kumimoji="0" lang="en-US" altLang="en-US" sz="1600" b="0" i="0" u="none" strike="noStrike" cap="none" normalizeH="0" baseline="0" dirty="0">
               <a:ln>
@@ -8540,13 +9766,13 @@
           <p:nvPr>
             <p:extLst>
               <p:ext uri="{D42A27DB-BD31-4B8C-83A1-F6EECF244321}">
-                <p14:modId xmlns:p14="http://schemas.microsoft.com/office/powerpoint/2010/main" val="252376617"/>
+                <p14:modId xmlns:p14="http://schemas.microsoft.com/office/powerpoint/2010/main" val="4043161555"/>
               </p:ext>
             </p:extLst>
           </p:nvPr>
         </p:nvGraphicFramePr>
         <p:xfrm>
-          <a:off x="837589" y="3429000"/>
+          <a:off x="766762" y="3030206"/>
           <a:ext cx="7610474" cy="2947082"/>
         </p:xfrm>
         <a:graphic>
@@ -8709,7 +9935,7 @@
                     <a:p>
                       <a:pPr algn="l" fontAlgn="base"/>
                       <a:r>
-                        <a:rPr lang="en-IN" sz="1600" u="none" strike="noStrike">
+                        <a:rPr lang="en-IN" sz="1600" u="none" strike="noStrike" dirty="0">
                           <a:solidFill>
                             <a:srgbClr val="17A81A"/>
                           </a:solidFill>
@@ -8718,7 +9944,7 @@
                         </a:rPr>
                         <a:t>Flow</a:t>
                       </a:r>
-                      <a:endParaRPr lang="en-IN" sz="1600">
+                      <a:endParaRPr lang="en-IN" sz="1600" dirty="0">
                         <a:solidFill>
                           <a:srgbClr val="404244"/>
                         </a:solidFill>
@@ -9369,1150 +10595,6 @@
     <p:extLst>
       <p:ext uri="{BB962C8B-B14F-4D97-AF65-F5344CB8AC3E}">
         <p14:creationId xmlns:p14="http://schemas.microsoft.com/office/powerpoint/2010/main" val="1181906460"/>
-      </p:ext>
-    </p:extLst>
-  </p:cSld>
-  <p:clrMapOvr>
-    <a:masterClrMapping/>
-  </p:clrMapOvr>
-</p:sld>
-</file>
-
-<file path=ppt/slides/slide8.xml><?xml version="1.0" encoding="utf-8"?>
-<p:sld xmlns:a="http://schemas.openxmlformats.org/drawingml/2006/main" xmlns:r="http://schemas.openxmlformats.org/officeDocument/2006/relationships" xmlns:p="http://schemas.openxmlformats.org/presentationml/2006/main">
-  <p:cSld>
-    <p:spTree>
-      <p:nvGrpSpPr>
-        <p:cNvPr id="1" name=""/>
-        <p:cNvGrpSpPr/>
-        <p:nvPr/>
-      </p:nvGrpSpPr>
-      <p:grpSpPr>
-        <a:xfrm>
-          <a:off x="0" y="0"/>
-          <a:ext cx="0" cy="0"/>
-          <a:chOff x="0" y="0"/>
-          <a:chExt cx="0" cy="0"/>
-        </a:xfrm>
-      </p:grpSpPr>
-      <p:sp>
-        <p:nvSpPr>
-          <p:cNvPr id="12" name="Rectangle 11"/>
-          <p:cNvSpPr/>
-          <p:nvPr/>
-        </p:nvSpPr>
-        <p:spPr>
-          <a:xfrm>
-            <a:off x="4887850" y="880712"/>
-            <a:ext cx="4160617" cy="7332777"/>
-          </a:xfrm>
-          <a:prstGeom prst="rect">
-            <a:avLst/>
-          </a:prstGeom>
-          <a:ln>
-            <a:noFill/>
-          </a:ln>
-        </p:spPr>
-        <p:txBody>
-          <a:bodyPr vert="horz" lIns="91440" tIns="45720" rIns="91440" bIns="45720" rtlCol="0">
-            <a:noAutofit/>
-          </a:bodyPr>
-          <a:lstStyle/>
-          <a:p>
-            <a:pPr marL="273050" indent="-273050">
-              <a:lnSpc>
-                <a:spcPct val="150000"/>
-              </a:lnSpc>
-              <a:buClr>
-                <a:schemeClr val="accent1"/>
-              </a:buClr>
-              <a:buFont typeface="Wingdings 2" pitchFamily="18" charset="2"/>
-              <a:buChar char=""/>
-            </a:pPr>
-            <a:endParaRPr lang="en-IN" sz="1200" dirty="0">
-              <a:solidFill>
-                <a:schemeClr val="tx1">
-                  <a:lumMod val="65000"/>
-                  <a:lumOff val="35000"/>
-                </a:schemeClr>
-              </a:solidFill>
-              <a:latin typeface="Arial"/>
-              <a:cs typeface="Arial"/>
-            </a:endParaRPr>
-          </a:p>
-        </p:txBody>
-      </p:sp>
-      <p:sp>
-        <p:nvSpPr>
-          <p:cNvPr id="7" name="TextBox 6"/>
-          <p:cNvSpPr txBox="1"/>
-          <p:nvPr/>
-        </p:nvSpPr>
-        <p:spPr>
-          <a:xfrm>
-            <a:off x="178594" y="185299"/>
-            <a:ext cx="4786313" cy="461665"/>
-          </a:xfrm>
-          <a:prstGeom prst="rect">
-            <a:avLst/>
-          </a:prstGeom>
-          <a:noFill/>
-        </p:spPr>
-        <p:txBody>
-          <a:bodyPr wrap="square" rtlCol="0">
-            <a:spAutoFit/>
-          </a:bodyPr>
-          <a:lstStyle/>
-          <a:p>
-            <a:r>
-              <a:rPr lang="en-US" sz="2400" dirty="0">
-                <a:solidFill>
-                  <a:schemeClr val="tx2"/>
-                </a:solidFill>
-              </a:rPr>
-              <a:t>QML </a:t>
-            </a:r>
-            <a:endParaRPr lang="en-IN" sz="2400" dirty="0">
-              <a:solidFill>
-                <a:schemeClr val="tx2"/>
-              </a:solidFill>
-            </a:endParaRPr>
-          </a:p>
-        </p:txBody>
-      </p:sp>
-      <p:sp>
-        <p:nvSpPr>
-          <p:cNvPr id="4" name="Rectangle 3">
-            <a:extLst>
-              <a:ext uri="{FF2B5EF4-FFF2-40B4-BE49-F238E27FC236}">
-                <a16:creationId xmlns:a16="http://schemas.microsoft.com/office/drawing/2014/main" id="{520E6CF5-55F3-4F06-BE71-8EC7A613BBF4}"/>
-              </a:ext>
-            </a:extLst>
-          </p:cNvPr>
-          <p:cNvSpPr/>
-          <p:nvPr/>
-        </p:nvSpPr>
-        <p:spPr>
-          <a:xfrm>
-            <a:off x="1202051" y="911769"/>
-            <a:ext cx="5886645" cy="461666"/>
-          </a:xfrm>
-          <a:prstGeom prst="rect">
-            <a:avLst/>
-          </a:prstGeom>
-          <a:noFill/>
-        </p:spPr>
-        <p:txBody>
-          <a:bodyPr wrap="square" lIns="91440" tIns="45720" rIns="91440" bIns="45720">
-            <a:normAutofit fontScale="92500" lnSpcReduction="10000"/>
-          </a:bodyPr>
-          <a:lstStyle/>
-          <a:p>
-            <a:pPr algn="ctr"/>
-            <a:r>
-              <a:rPr lang="en-US" sz="2800" dirty="0">
-                <a:ln w="0"/>
-                <a:effectLst>
-                  <a:outerShdw blurRad="38100" dist="19050" dir="2700000" algn="tl" rotWithShape="0">
-                    <a:schemeClr val="dk1">
-                      <a:alpha val="40000"/>
-                    </a:schemeClr>
-                  </a:outerShdw>
-                </a:effectLst>
-              </a:rPr>
-              <a:t>Positioning with Anchors</a:t>
-            </a:r>
-          </a:p>
-          <a:p>
-            <a:pPr algn="ctr"/>
-            <a:endParaRPr lang="en-US" sz="2800" b="0" cap="none" spc="0" dirty="0">
-              <a:ln w="0"/>
-              <a:solidFill>
-                <a:schemeClr val="tx1"/>
-              </a:solidFill>
-              <a:effectLst>
-                <a:outerShdw blurRad="38100" dist="19050" dir="2700000" algn="tl" rotWithShape="0">
-                  <a:schemeClr val="dk1">
-                    <a:alpha val="40000"/>
-                  </a:schemeClr>
-                </a:outerShdw>
-              </a:effectLst>
-            </a:endParaRPr>
-          </a:p>
-        </p:txBody>
-      </p:sp>
-      <p:sp>
-        <p:nvSpPr>
-          <p:cNvPr id="10" name="Rectangle 3">
-            <a:extLst>
-              <a:ext uri="{FF2B5EF4-FFF2-40B4-BE49-F238E27FC236}">
-                <a16:creationId xmlns:a16="http://schemas.microsoft.com/office/drawing/2014/main" id="{1CD7D7B1-AE07-48B8-9BF1-630D34AD5FC0}"/>
-              </a:ext>
-            </a:extLst>
-          </p:cNvPr>
-          <p:cNvSpPr>
-            <a:spLocks noChangeArrowheads="1"/>
-          </p:cNvSpPr>
-          <p:nvPr/>
-        </p:nvSpPr>
-        <p:spPr bwMode="auto">
-          <a:xfrm>
-            <a:off x="275321" y="1607183"/>
-            <a:ext cx="8593357" cy="1107996"/>
-          </a:xfrm>
-          <a:prstGeom prst="rect">
-            <a:avLst/>
-          </a:prstGeom>
-          <a:noFill/>
-          <a:ln>
-            <a:noFill/>
-          </a:ln>
-          <a:effectLst/>
-          <a:extLst>
-            <a:ext uri="{909E8E84-426E-40DD-AFC4-6F175D3DCCD1}">
-              <a14:hiddenFill xmlns:a14="http://schemas.microsoft.com/office/drawing/2010/main">
-                <a:solidFill>
-                  <a:schemeClr val="accent1"/>
-                </a:solidFill>
-              </a14:hiddenFill>
-            </a:ext>
-            <a:ext uri="{91240B29-F687-4F45-9708-019B960494DF}">
-              <a14:hiddenLine xmlns:a14="http://schemas.microsoft.com/office/drawing/2010/main" w="9525">
-                <a:solidFill>
-                  <a:schemeClr val="tx1"/>
-                </a:solidFill>
-                <a:miter lim="800000"/>
-                <a:headEnd/>
-                <a:tailEnd/>
-              </a14:hiddenLine>
-            </a:ext>
-            <a:ext uri="{AF507438-7753-43E0-B8FC-AC1667EBCBE1}">
-              <a14:hiddenEffects xmlns:a14="http://schemas.microsoft.com/office/drawing/2010/main">
-                <a:effectLst>
-                  <a:outerShdw dist="35921" dir="2700000" algn="ctr" rotWithShape="0">
-                    <a:schemeClr val="bg2"/>
-                  </a:outerShdw>
-                </a:effectLst>
-              </a14:hiddenEffects>
-            </a:ext>
-          </a:extLst>
-        </p:spPr>
-        <p:txBody>
-          <a:bodyPr vert="horz" wrap="square" lIns="19044" tIns="0" rIns="19044" bIns="0" numCol="1" anchor="ctr" anchorCtr="0" compatLnSpc="1">
-            <a:prstTxWarp prst="textNoShape">
-              <a:avLst/>
-            </a:prstTxWarp>
-            <a:spAutoFit/>
-          </a:bodyPr>
-          <a:lstStyle>
-            <a:lvl1pPr eaLnBrk="0" fontAlgn="base" hangingPunct="0">
-              <a:spcBef>
-                <a:spcPct val="0"/>
-              </a:spcBef>
-              <a:spcAft>
-                <a:spcPct val="0"/>
-              </a:spcAft>
-              <a:defRPr>
-                <a:solidFill>
-                  <a:schemeClr val="tx1"/>
-                </a:solidFill>
-                <a:latin typeface="Arial" panose="020B0604020202020204" pitchFamily="34" charset="0"/>
-              </a:defRPr>
-            </a:lvl1pPr>
-            <a:lvl2pPr eaLnBrk="0" fontAlgn="base" hangingPunct="0">
-              <a:spcBef>
-                <a:spcPct val="0"/>
-              </a:spcBef>
-              <a:spcAft>
-                <a:spcPct val="0"/>
-              </a:spcAft>
-              <a:defRPr>
-                <a:solidFill>
-                  <a:schemeClr val="tx1"/>
-                </a:solidFill>
-                <a:latin typeface="Arial" panose="020B0604020202020204" pitchFamily="34" charset="0"/>
-              </a:defRPr>
-            </a:lvl2pPr>
-            <a:lvl3pPr eaLnBrk="0" fontAlgn="base" hangingPunct="0">
-              <a:spcBef>
-                <a:spcPct val="0"/>
-              </a:spcBef>
-              <a:spcAft>
-                <a:spcPct val="0"/>
-              </a:spcAft>
-              <a:defRPr>
-                <a:solidFill>
-                  <a:schemeClr val="tx1"/>
-                </a:solidFill>
-                <a:latin typeface="Arial" panose="020B0604020202020204" pitchFamily="34" charset="0"/>
-              </a:defRPr>
-            </a:lvl3pPr>
-            <a:lvl4pPr eaLnBrk="0" fontAlgn="base" hangingPunct="0">
-              <a:spcBef>
-                <a:spcPct val="0"/>
-              </a:spcBef>
-              <a:spcAft>
-                <a:spcPct val="0"/>
-              </a:spcAft>
-              <a:defRPr>
-                <a:solidFill>
-                  <a:schemeClr val="tx1"/>
-                </a:solidFill>
-                <a:latin typeface="Arial" panose="020B0604020202020204" pitchFamily="34" charset="0"/>
-              </a:defRPr>
-            </a:lvl4pPr>
-            <a:lvl5pPr eaLnBrk="0" fontAlgn="base" hangingPunct="0">
-              <a:spcBef>
-                <a:spcPct val="0"/>
-              </a:spcBef>
-              <a:spcAft>
-                <a:spcPct val="0"/>
-              </a:spcAft>
-              <a:defRPr>
-                <a:solidFill>
-                  <a:schemeClr val="tx1"/>
-                </a:solidFill>
-                <a:latin typeface="Arial" panose="020B0604020202020204" pitchFamily="34" charset="0"/>
-              </a:defRPr>
-            </a:lvl5pPr>
-            <a:lvl6pPr eaLnBrk="0" fontAlgn="base" hangingPunct="0">
-              <a:spcBef>
-                <a:spcPct val="0"/>
-              </a:spcBef>
-              <a:spcAft>
-                <a:spcPct val="0"/>
-              </a:spcAft>
-              <a:defRPr>
-                <a:solidFill>
-                  <a:schemeClr val="tx1"/>
-                </a:solidFill>
-                <a:latin typeface="Arial" panose="020B0604020202020204" pitchFamily="34" charset="0"/>
-              </a:defRPr>
-            </a:lvl6pPr>
-            <a:lvl7pPr eaLnBrk="0" fontAlgn="base" hangingPunct="0">
-              <a:spcBef>
-                <a:spcPct val="0"/>
-              </a:spcBef>
-              <a:spcAft>
-                <a:spcPct val="0"/>
-              </a:spcAft>
-              <a:defRPr>
-                <a:solidFill>
-                  <a:schemeClr val="tx1"/>
-                </a:solidFill>
-                <a:latin typeface="Arial" panose="020B0604020202020204" pitchFamily="34" charset="0"/>
-              </a:defRPr>
-            </a:lvl7pPr>
-            <a:lvl8pPr eaLnBrk="0" fontAlgn="base" hangingPunct="0">
-              <a:spcBef>
-                <a:spcPct val="0"/>
-              </a:spcBef>
-              <a:spcAft>
-                <a:spcPct val="0"/>
-              </a:spcAft>
-              <a:defRPr>
-                <a:solidFill>
-                  <a:schemeClr val="tx1"/>
-                </a:solidFill>
-                <a:latin typeface="Arial" panose="020B0604020202020204" pitchFamily="34" charset="0"/>
-              </a:defRPr>
-            </a:lvl8pPr>
-            <a:lvl9pPr eaLnBrk="0" fontAlgn="base" hangingPunct="0">
-              <a:spcBef>
-                <a:spcPct val="0"/>
-              </a:spcBef>
-              <a:spcAft>
-                <a:spcPct val="0"/>
-              </a:spcAft>
-              <a:defRPr>
-                <a:solidFill>
-                  <a:schemeClr val="tx1"/>
-                </a:solidFill>
-                <a:latin typeface="Arial" panose="020B0604020202020204" pitchFamily="34" charset="0"/>
-              </a:defRPr>
-            </a:lvl9pPr>
-          </a:lstStyle>
-          <a:p>
-            <a:pPr lvl="0"/>
-            <a:r>
-              <a:rPr lang="en-IN" dirty="0"/>
-              <a:t>In addition to the more traditional Grid, Row, and Column, Qt Quick also provides a way to layout items using the concept of anchors. Each item can be thought of as having a set of 7 invisible "anchor lines": left, </a:t>
-            </a:r>
-            <a:r>
-              <a:rPr lang="en-IN" dirty="0" err="1"/>
-              <a:t>horizontalCenter</a:t>
-            </a:r>
-            <a:r>
-              <a:rPr lang="en-IN" dirty="0"/>
-              <a:t>, right, top, </a:t>
-            </a:r>
-            <a:r>
-              <a:rPr lang="en-IN" dirty="0" err="1"/>
-              <a:t>verticalCenter</a:t>
-            </a:r>
-            <a:r>
-              <a:rPr lang="en-IN" dirty="0"/>
-              <a:t>, baseline, and bottom.</a:t>
-            </a:r>
-          </a:p>
-        </p:txBody>
-      </p:sp>
-      <p:pic>
-        <p:nvPicPr>
-          <p:cNvPr id="4098" name="Picture 2">
-            <a:extLst>
-              <a:ext uri="{FF2B5EF4-FFF2-40B4-BE49-F238E27FC236}">
-                <a16:creationId xmlns:a16="http://schemas.microsoft.com/office/drawing/2014/main" id="{4659E157-D7D4-46F0-B225-C86CE804A97D}"/>
-              </a:ext>
-            </a:extLst>
-          </p:cNvPr>
-          <p:cNvPicPr>
-            <a:picLocks noChangeAspect="1" noChangeArrowheads="1"/>
-          </p:cNvPicPr>
-          <p:nvPr/>
-        </p:nvPicPr>
-        <p:blipFill>
-          <a:blip r:embed="rId2">
-            <a:extLst>
-              <a:ext uri="{28A0092B-C50C-407E-A947-70E740481C1C}">
-                <a14:useLocalDpi xmlns:a14="http://schemas.microsoft.com/office/drawing/2010/main" val="0"/>
-              </a:ext>
-            </a:extLst>
-          </a:blip>
-          <a:srcRect/>
-          <a:stretch>
-            <a:fillRect/>
-          </a:stretch>
-        </p:blipFill>
-        <p:spPr bwMode="auto">
-          <a:xfrm>
-            <a:off x="409574" y="3468715"/>
-            <a:ext cx="4162425" cy="2762250"/>
-          </a:xfrm>
-          <a:prstGeom prst="rect">
-            <a:avLst/>
-          </a:prstGeom>
-          <a:noFill/>
-          <a:extLst>
-            <a:ext uri="{909E8E84-426E-40DD-AFC4-6F175D3DCCD1}">
-              <a14:hiddenFill xmlns:a14="http://schemas.microsoft.com/office/drawing/2010/main">
-                <a:solidFill>
-                  <a:srgbClr val="FFFFFF"/>
-                </a:solidFill>
-              </a14:hiddenFill>
-            </a:ext>
-          </a:extLst>
-        </p:spPr>
-      </p:pic>
-      <p:sp>
-        <p:nvSpPr>
-          <p:cNvPr id="3" name="TextBox 2">
-            <a:extLst>
-              <a:ext uri="{FF2B5EF4-FFF2-40B4-BE49-F238E27FC236}">
-                <a16:creationId xmlns:a16="http://schemas.microsoft.com/office/drawing/2014/main" id="{711CC8A7-83D5-4435-9904-977FF6690FB6}"/>
-              </a:ext>
-            </a:extLst>
-          </p:cNvPr>
-          <p:cNvSpPr txBox="1"/>
-          <p:nvPr/>
-        </p:nvSpPr>
-        <p:spPr>
-          <a:xfrm>
-            <a:off x="4887850" y="3020037"/>
-            <a:ext cx="3846576" cy="1754326"/>
-          </a:xfrm>
-          <a:prstGeom prst="rect">
-            <a:avLst/>
-          </a:prstGeom>
-          <a:noFill/>
-        </p:spPr>
-        <p:txBody>
-          <a:bodyPr wrap="square" rtlCol="0">
-            <a:spAutoFit/>
-          </a:bodyPr>
-          <a:lstStyle/>
-          <a:p>
-            <a:r>
-              <a:rPr lang="en-IN" dirty="0"/>
-              <a:t>Rectangle { id: rect1; ... }</a:t>
-            </a:r>
-          </a:p>
-          <a:p>
-            <a:r>
-              <a:rPr lang="en-IN" dirty="0"/>
-              <a:t>Rectangle { </a:t>
-            </a:r>
-          </a:p>
-          <a:p>
-            <a:r>
-              <a:rPr lang="en-IN" dirty="0"/>
-              <a:t>  id: rect2; </a:t>
-            </a:r>
-          </a:p>
-          <a:p>
-            <a:r>
-              <a:rPr lang="en-IN" dirty="0"/>
-              <a:t>  </a:t>
-            </a:r>
-            <a:r>
-              <a:rPr lang="en-IN" dirty="0" err="1"/>
-              <a:t>anchors.left</a:t>
-            </a:r>
-            <a:r>
-              <a:rPr lang="en-IN" dirty="0"/>
-              <a:t>: rect1.right; </a:t>
-            </a:r>
-          </a:p>
-          <a:p>
-            <a:r>
-              <a:rPr lang="en-IN" dirty="0"/>
-              <a:t>  ...</a:t>
-            </a:r>
-          </a:p>
-          <a:p>
-            <a:r>
-              <a:rPr lang="en-IN" dirty="0"/>
-              <a:t>} </a:t>
-            </a:r>
-          </a:p>
-        </p:txBody>
-      </p:sp>
-      <p:pic>
-        <p:nvPicPr>
-          <p:cNvPr id="4102" name="Picture 6">
-            <a:extLst>
-              <a:ext uri="{FF2B5EF4-FFF2-40B4-BE49-F238E27FC236}">
-                <a16:creationId xmlns:a16="http://schemas.microsoft.com/office/drawing/2014/main" id="{B2A16EDD-61B5-43AF-BB88-2657B7FE5FFC}"/>
-              </a:ext>
-            </a:extLst>
-          </p:cNvPr>
-          <p:cNvPicPr>
-            <a:picLocks noChangeAspect="1" noChangeArrowheads="1"/>
-          </p:cNvPicPr>
-          <p:nvPr/>
-        </p:nvPicPr>
-        <p:blipFill>
-          <a:blip r:embed="rId3">
-            <a:extLst>
-              <a:ext uri="{28A0092B-C50C-407E-A947-70E740481C1C}">
-                <a14:useLocalDpi xmlns:a14="http://schemas.microsoft.com/office/drawing/2010/main" val="0"/>
-              </a:ext>
-            </a:extLst>
-          </a:blip>
-          <a:srcRect/>
-          <a:stretch>
-            <a:fillRect/>
-          </a:stretch>
-        </p:blipFill>
-        <p:spPr bwMode="auto">
-          <a:xfrm>
-            <a:off x="4964907" y="5168799"/>
-            <a:ext cx="2009775" cy="1000125"/>
-          </a:xfrm>
-          <a:prstGeom prst="rect">
-            <a:avLst/>
-          </a:prstGeom>
-          <a:noFill/>
-          <a:extLst>
-            <a:ext uri="{909E8E84-426E-40DD-AFC4-6F175D3DCCD1}">
-              <a14:hiddenFill xmlns:a14="http://schemas.microsoft.com/office/drawing/2010/main">
-                <a:solidFill>
-                  <a:srgbClr val="FFFFFF"/>
-                </a:solidFill>
-              </a14:hiddenFill>
-            </a:ext>
-          </a:extLst>
-        </p:spPr>
-      </p:pic>
-    </p:spTree>
-    <p:extLst>
-      <p:ext uri="{BB962C8B-B14F-4D97-AF65-F5344CB8AC3E}">
-        <p14:creationId xmlns:p14="http://schemas.microsoft.com/office/powerpoint/2010/main" val="3904587729"/>
-      </p:ext>
-    </p:extLst>
-  </p:cSld>
-  <p:clrMapOvr>
-    <a:masterClrMapping/>
-  </p:clrMapOvr>
-</p:sld>
-</file>
-
-<file path=ppt/slides/slide9.xml><?xml version="1.0" encoding="utf-8"?>
-<p:sld xmlns:a="http://schemas.openxmlformats.org/drawingml/2006/main" xmlns:r="http://schemas.openxmlformats.org/officeDocument/2006/relationships" xmlns:p="http://schemas.openxmlformats.org/presentationml/2006/main">
-  <p:cSld>
-    <p:spTree>
-      <p:nvGrpSpPr>
-        <p:cNvPr id="1" name=""/>
-        <p:cNvGrpSpPr/>
-        <p:nvPr/>
-      </p:nvGrpSpPr>
-      <p:grpSpPr>
-        <a:xfrm>
-          <a:off x="0" y="0"/>
-          <a:ext cx="0" cy="0"/>
-          <a:chOff x="0" y="0"/>
-          <a:chExt cx="0" cy="0"/>
-        </a:xfrm>
-      </p:grpSpPr>
-      <p:sp>
-        <p:nvSpPr>
-          <p:cNvPr id="12" name="Rectangle 11"/>
-          <p:cNvSpPr/>
-          <p:nvPr/>
-        </p:nvSpPr>
-        <p:spPr>
-          <a:xfrm>
-            <a:off x="4887850" y="880712"/>
-            <a:ext cx="4160617" cy="7332777"/>
-          </a:xfrm>
-          <a:prstGeom prst="rect">
-            <a:avLst/>
-          </a:prstGeom>
-          <a:ln>
-            <a:noFill/>
-          </a:ln>
-        </p:spPr>
-        <p:txBody>
-          <a:bodyPr vert="horz" lIns="91440" tIns="45720" rIns="91440" bIns="45720" rtlCol="0">
-            <a:noAutofit/>
-          </a:bodyPr>
-          <a:lstStyle/>
-          <a:p>
-            <a:pPr marL="273050" indent="-273050">
-              <a:lnSpc>
-                <a:spcPct val="150000"/>
-              </a:lnSpc>
-              <a:buClr>
-                <a:schemeClr val="accent1"/>
-              </a:buClr>
-              <a:buFont typeface="Wingdings 2" pitchFamily="18" charset="2"/>
-              <a:buChar char=""/>
-            </a:pPr>
-            <a:endParaRPr lang="en-IN" sz="1200" dirty="0">
-              <a:solidFill>
-                <a:schemeClr val="tx1">
-                  <a:lumMod val="65000"/>
-                  <a:lumOff val="35000"/>
-                </a:schemeClr>
-              </a:solidFill>
-              <a:latin typeface="Arial"/>
-              <a:cs typeface="Arial"/>
-            </a:endParaRPr>
-          </a:p>
-        </p:txBody>
-      </p:sp>
-      <p:sp>
-        <p:nvSpPr>
-          <p:cNvPr id="7" name="TextBox 6"/>
-          <p:cNvSpPr txBox="1"/>
-          <p:nvPr/>
-        </p:nvSpPr>
-        <p:spPr>
-          <a:xfrm>
-            <a:off x="178594" y="185299"/>
-            <a:ext cx="4786313" cy="461665"/>
-          </a:xfrm>
-          <a:prstGeom prst="rect">
-            <a:avLst/>
-          </a:prstGeom>
-          <a:noFill/>
-        </p:spPr>
-        <p:txBody>
-          <a:bodyPr wrap="square" rtlCol="0">
-            <a:spAutoFit/>
-          </a:bodyPr>
-          <a:lstStyle/>
-          <a:p>
-            <a:r>
-              <a:rPr lang="en-US" sz="2400" dirty="0">
-                <a:solidFill>
-                  <a:schemeClr val="tx2"/>
-                </a:solidFill>
-              </a:rPr>
-              <a:t>QML </a:t>
-            </a:r>
-            <a:endParaRPr lang="en-IN" sz="2400" dirty="0">
-              <a:solidFill>
-                <a:schemeClr val="tx2"/>
-              </a:solidFill>
-            </a:endParaRPr>
-          </a:p>
-        </p:txBody>
-      </p:sp>
-      <p:sp>
-        <p:nvSpPr>
-          <p:cNvPr id="4" name="Rectangle 3">
-            <a:extLst>
-              <a:ext uri="{FF2B5EF4-FFF2-40B4-BE49-F238E27FC236}">
-                <a16:creationId xmlns:a16="http://schemas.microsoft.com/office/drawing/2014/main" id="{520E6CF5-55F3-4F06-BE71-8EC7A613BBF4}"/>
-              </a:ext>
-            </a:extLst>
-          </p:cNvPr>
-          <p:cNvSpPr/>
-          <p:nvPr/>
-        </p:nvSpPr>
-        <p:spPr>
-          <a:xfrm>
-            <a:off x="1202051" y="680936"/>
-            <a:ext cx="5886645" cy="461666"/>
-          </a:xfrm>
-          <a:prstGeom prst="rect">
-            <a:avLst/>
-          </a:prstGeom>
-          <a:noFill/>
-        </p:spPr>
-        <p:txBody>
-          <a:bodyPr wrap="square" lIns="91440" tIns="45720" rIns="91440" bIns="45720">
-            <a:normAutofit fontScale="92500" lnSpcReduction="10000"/>
-          </a:bodyPr>
-          <a:lstStyle/>
-          <a:p>
-            <a:pPr algn="ctr"/>
-            <a:r>
-              <a:rPr lang="en-US" sz="2800" dirty="0">
-                <a:ln w="0"/>
-                <a:effectLst>
-                  <a:outerShdw blurRad="38100" dist="19050" dir="2700000" algn="tl" rotWithShape="0">
-                    <a:schemeClr val="dk1">
-                      <a:alpha val="40000"/>
-                    </a:schemeClr>
-                  </a:outerShdw>
-                </a:effectLst>
-              </a:rPr>
-              <a:t>Signals and Handlers</a:t>
-            </a:r>
-          </a:p>
-          <a:p>
-            <a:pPr algn="ctr"/>
-            <a:endParaRPr lang="en-US" sz="2800" b="0" cap="none" spc="0" dirty="0">
-              <a:ln w="0"/>
-              <a:solidFill>
-                <a:schemeClr val="tx1"/>
-              </a:solidFill>
-              <a:effectLst>
-                <a:outerShdw blurRad="38100" dist="19050" dir="2700000" algn="tl" rotWithShape="0">
-                  <a:schemeClr val="dk1">
-                    <a:alpha val="40000"/>
-                  </a:schemeClr>
-                </a:outerShdw>
-              </a:effectLst>
-            </a:endParaRPr>
-          </a:p>
-        </p:txBody>
-      </p:sp>
-      <p:sp>
-        <p:nvSpPr>
-          <p:cNvPr id="10" name="Rectangle 3">
-            <a:extLst>
-              <a:ext uri="{FF2B5EF4-FFF2-40B4-BE49-F238E27FC236}">
-                <a16:creationId xmlns:a16="http://schemas.microsoft.com/office/drawing/2014/main" id="{1CD7D7B1-AE07-48B8-9BF1-630D34AD5FC0}"/>
-              </a:ext>
-            </a:extLst>
-          </p:cNvPr>
-          <p:cNvSpPr>
-            <a:spLocks noChangeArrowheads="1"/>
-          </p:cNvSpPr>
-          <p:nvPr/>
-        </p:nvSpPr>
-        <p:spPr bwMode="auto">
-          <a:xfrm>
-            <a:off x="210312" y="1312111"/>
-            <a:ext cx="8593357" cy="1661993"/>
-          </a:xfrm>
-          <a:prstGeom prst="rect">
-            <a:avLst/>
-          </a:prstGeom>
-          <a:noFill/>
-          <a:ln>
-            <a:noFill/>
-          </a:ln>
-          <a:effectLst/>
-          <a:extLst>
-            <a:ext uri="{909E8E84-426E-40DD-AFC4-6F175D3DCCD1}">
-              <a14:hiddenFill xmlns:a14="http://schemas.microsoft.com/office/drawing/2010/main">
-                <a:solidFill>
-                  <a:schemeClr val="accent1"/>
-                </a:solidFill>
-              </a14:hiddenFill>
-            </a:ext>
-            <a:ext uri="{91240B29-F687-4F45-9708-019B960494DF}">
-              <a14:hiddenLine xmlns:a14="http://schemas.microsoft.com/office/drawing/2010/main" w="9525">
-                <a:solidFill>
-                  <a:schemeClr val="tx1"/>
-                </a:solidFill>
-                <a:miter lim="800000"/>
-                <a:headEnd/>
-                <a:tailEnd/>
-              </a14:hiddenLine>
-            </a:ext>
-            <a:ext uri="{AF507438-7753-43E0-B8FC-AC1667EBCBE1}">
-              <a14:hiddenEffects xmlns:a14="http://schemas.microsoft.com/office/drawing/2010/main">
-                <a:effectLst>
-                  <a:outerShdw dist="35921" dir="2700000" algn="ctr" rotWithShape="0">
-                    <a:schemeClr val="bg2"/>
-                  </a:outerShdw>
-                </a:effectLst>
-              </a14:hiddenEffects>
-            </a:ext>
-          </a:extLst>
-        </p:spPr>
-        <p:txBody>
-          <a:bodyPr vert="horz" wrap="square" lIns="19044" tIns="0" rIns="19044" bIns="0" numCol="1" anchor="ctr" anchorCtr="0" compatLnSpc="1">
-            <a:prstTxWarp prst="textNoShape">
-              <a:avLst/>
-            </a:prstTxWarp>
-            <a:spAutoFit/>
-          </a:bodyPr>
-          <a:lstStyle>
-            <a:lvl1pPr eaLnBrk="0" fontAlgn="base" hangingPunct="0">
-              <a:spcBef>
-                <a:spcPct val="0"/>
-              </a:spcBef>
-              <a:spcAft>
-                <a:spcPct val="0"/>
-              </a:spcAft>
-              <a:defRPr>
-                <a:solidFill>
-                  <a:schemeClr val="tx1"/>
-                </a:solidFill>
-                <a:latin typeface="Arial" panose="020B0604020202020204" pitchFamily="34" charset="0"/>
-              </a:defRPr>
-            </a:lvl1pPr>
-            <a:lvl2pPr eaLnBrk="0" fontAlgn="base" hangingPunct="0">
-              <a:spcBef>
-                <a:spcPct val="0"/>
-              </a:spcBef>
-              <a:spcAft>
-                <a:spcPct val="0"/>
-              </a:spcAft>
-              <a:defRPr>
-                <a:solidFill>
-                  <a:schemeClr val="tx1"/>
-                </a:solidFill>
-                <a:latin typeface="Arial" panose="020B0604020202020204" pitchFamily="34" charset="0"/>
-              </a:defRPr>
-            </a:lvl2pPr>
-            <a:lvl3pPr eaLnBrk="0" fontAlgn="base" hangingPunct="0">
-              <a:spcBef>
-                <a:spcPct val="0"/>
-              </a:spcBef>
-              <a:spcAft>
-                <a:spcPct val="0"/>
-              </a:spcAft>
-              <a:defRPr>
-                <a:solidFill>
-                  <a:schemeClr val="tx1"/>
-                </a:solidFill>
-                <a:latin typeface="Arial" panose="020B0604020202020204" pitchFamily="34" charset="0"/>
-              </a:defRPr>
-            </a:lvl3pPr>
-            <a:lvl4pPr eaLnBrk="0" fontAlgn="base" hangingPunct="0">
-              <a:spcBef>
-                <a:spcPct val="0"/>
-              </a:spcBef>
-              <a:spcAft>
-                <a:spcPct val="0"/>
-              </a:spcAft>
-              <a:defRPr>
-                <a:solidFill>
-                  <a:schemeClr val="tx1"/>
-                </a:solidFill>
-                <a:latin typeface="Arial" panose="020B0604020202020204" pitchFamily="34" charset="0"/>
-              </a:defRPr>
-            </a:lvl4pPr>
-            <a:lvl5pPr eaLnBrk="0" fontAlgn="base" hangingPunct="0">
-              <a:spcBef>
-                <a:spcPct val="0"/>
-              </a:spcBef>
-              <a:spcAft>
-                <a:spcPct val="0"/>
-              </a:spcAft>
-              <a:defRPr>
-                <a:solidFill>
-                  <a:schemeClr val="tx1"/>
-                </a:solidFill>
-                <a:latin typeface="Arial" panose="020B0604020202020204" pitchFamily="34" charset="0"/>
-              </a:defRPr>
-            </a:lvl5pPr>
-            <a:lvl6pPr eaLnBrk="0" fontAlgn="base" hangingPunct="0">
-              <a:spcBef>
-                <a:spcPct val="0"/>
-              </a:spcBef>
-              <a:spcAft>
-                <a:spcPct val="0"/>
-              </a:spcAft>
-              <a:defRPr>
-                <a:solidFill>
-                  <a:schemeClr val="tx1"/>
-                </a:solidFill>
-                <a:latin typeface="Arial" panose="020B0604020202020204" pitchFamily="34" charset="0"/>
-              </a:defRPr>
-            </a:lvl6pPr>
-            <a:lvl7pPr eaLnBrk="0" fontAlgn="base" hangingPunct="0">
-              <a:spcBef>
-                <a:spcPct val="0"/>
-              </a:spcBef>
-              <a:spcAft>
-                <a:spcPct val="0"/>
-              </a:spcAft>
-              <a:defRPr>
-                <a:solidFill>
-                  <a:schemeClr val="tx1"/>
-                </a:solidFill>
-                <a:latin typeface="Arial" panose="020B0604020202020204" pitchFamily="34" charset="0"/>
-              </a:defRPr>
-            </a:lvl7pPr>
-            <a:lvl8pPr eaLnBrk="0" fontAlgn="base" hangingPunct="0">
-              <a:spcBef>
-                <a:spcPct val="0"/>
-              </a:spcBef>
-              <a:spcAft>
-                <a:spcPct val="0"/>
-              </a:spcAft>
-              <a:defRPr>
-                <a:solidFill>
-                  <a:schemeClr val="tx1"/>
-                </a:solidFill>
-                <a:latin typeface="Arial" panose="020B0604020202020204" pitchFamily="34" charset="0"/>
-              </a:defRPr>
-            </a:lvl8pPr>
-            <a:lvl9pPr eaLnBrk="0" fontAlgn="base" hangingPunct="0">
-              <a:spcBef>
-                <a:spcPct val="0"/>
-              </a:spcBef>
-              <a:spcAft>
-                <a:spcPct val="0"/>
-              </a:spcAft>
-              <a:defRPr>
-                <a:solidFill>
-                  <a:schemeClr val="tx1"/>
-                </a:solidFill>
-                <a:latin typeface="Arial" panose="020B0604020202020204" pitchFamily="34" charset="0"/>
-              </a:defRPr>
-            </a:lvl9pPr>
-          </a:lstStyle>
-          <a:p>
-            <a:pPr lvl="0"/>
-            <a:r>
-              <a:rPr lang="en-IN" dirty="0"/>
-              <a:t>Signals provide a way to notify other objects when an event has occurred. For example, the </a:t>
-            </a:r>
-            <a:r>
-              <a:rPr lang="en-IN" dirty="0" err="1"/>
-              <a:t>MouseArea</a:t>
-            </a:r>
-            <a:r>
-              <a:rPr lang="en-IN" dirty="0"/>
-              <a:t> clicked signal notifies other objects that the mouse has been clicked within the area</a:t>
-            </a:r>
-          </a:p>
-          <a:p>
-            <a:pPr lvl="0"/>
-            <a:endParaRPr lang="en-IN" dirty="0"/>
-          </a:p>
-          <a:p>
-            <a:pPr lvl="0"/>
-            <a:r>
-              <a:rPr lang="en-IN" dirty="0"/>
-              <a:t>The syntax for defining a new signal is:</a:t>
-            </a:r>
-          </a:p>
-          <a:p>
-            <a:pPr lvl="0"/>
-            <a:r>
-              <a:rPr lang="en-IN" dirty="0"/>
-              <a:t>signal &lt;name&gt;[([&lt;type&gt; &lt;parameter name&gt;[, ...]])]</a:t>
-            </a:r>
-            <a:endParaRPr kumimoji="0" lang="en-US" altLang="en-US" sz="1600" b="0" i="0" u="none" strike="noStrike" cap="none" normalizeH="0" baseline="0" dirty="0">
-              <a:ln>
-                <a:noFill/>
-              </a:ln>
-              <a:solidFill>
-                <a:schemeClr val="tx1"/>
-              </a:solidFill>
-              <a:effectLst/>
-              <a:latin typeface="+mj-lt"/>
-            </a:endParaRPr>
-          </a:p>
-        </p:txBody>
-      </p:sp>
-      <p:sp>
-        <p:nvSpPr>
-          <p:cNvPr id="3" name="Rectangle 2">
-            <a:extLst>
-              <a:ext uri="{FF2B5EF4-FFF2-40B4-BE49-F238E27FC236}">
-                <a16:creationId xmlns:a16="http://schemas.microsoft.com/office/drawing/2014/main" id="{127DC682-0921-4B04-8817-5708B89B24A9}"/>
-              </a:ext>
-            </a:extLst>
-          </p:cNvPr>
-          <p:cNvSpPr/>
-          <p:nvPr/>
-        </p:nvSpPr>
-        <p:spPr>
-          <a:xfrm>
-            <a:off x="275321" y="3054475"/>
-            <a:ext cx="4786312" cy="1015663"/>
-          </a:xfrm>
-          <a:prstGeom prst="rect">
-            <a:avLst/>
-          </a:prstGeom>
-        </p:spPr>
-        <p:txBody>
-          <a:bodyPr wrap="square">
-            <a:spAutoFit/>
-          </a:bodyPr>
-          <a:lstStyle/>
-          <a:p>
-            <a:r>
-              <a:rPr lang="en-IN" sz="1200" dirty="0"/>
-              <a:t>Rectangle {</a:t>
-            </a:r>
-          </a:p>
-          <a:p>
-            <a:r>
-              <a:rPr lang="en-IN" sz="1200" dirty="0"/>
-              <a:t>    signal trigger</a:t>
-            </a:r>
-          </a:p>
-          <a:p>
-            <a:r>
-              <a:rPr lang="en-IN" sz="1200" dirty="0"/>
-              <a:t>    signal send (string notice)</a:t>
-            </a:r>
-          </a:p>
-          <a:p>
-            <a:r>
-              <a:rPr lang="en-IN" sz="1200" dirty="0"/>
-              <a:t>    signal perform (string task, variant object)</a:t>
-            </a:r>
-          </a:p>
-          <a:p>
-            <a:r>
-              <a:rPr lang="en-IN" sz="1200" dirty="0"/>
-              <a:t>}</a:t>
-            </a:r>
-          </a:p>
-        </p:txBody>
-      </p:sp>
-      <p:sp>
-        <p:nvSpPr>
-          <p:cNvPr id="5" name="Rectangle 4">
-            <a:extLst>
-              <a:ext uri="{FF2B5EF4-FFF2-40B4-BE49-F238E27FC236}">
-                <a16:creationId xmlns:a16="http://schemas.microsoft.com/office/drawing/2014/main" id="{AE2E4F8C-8544-422D-8569-D2A035D84794}"/>
-              </a:ext>
-            </a:extLst>
-          </p:cNvPr>
-          <p:cNvSpPr/>
-          <p:nvPr/>
-        </p:nvSpPr>
-        <p:spPr>
-          <a:xfrm>
-            <a:off x="210309" y="4224026"/>
-            <a:ext cx="8593357" cy="923330"/>
-          </a:xfrm>
-          <a:prstGeom prst="rect">
-            <a:avLst/>
-          </a:prstGeom>
-        </p:spPr>
-        <p:txBody>
-          <a:bodyPr wrap="square">
-            <a:spAutoFit/>
-          </a:bodyPr>
-          <a:lstStyle/>
-          <a:p>
-            <a:r>
-              <a:rPr lang="en-IN" dirty="0"/>
-              <a:t>Adding a signal to an item automatically adds a signal handler as well. The signal hander is named on&lt;</a:t>
-            </a:r>
-            <a:r>
-              <a:rPr lang="en-IN" dirty="0" err="1"/>
-              <a:t>SignalName</a:t>
-            </a:r>
-            <a:r>
-              <a:rPr lang="en-IN" dirty="0"/>
-              <a:t>&gt;, with the first letter of the signal in uppercase. The previous signals have the following signal handlers:</a:t>
-            </a:r>
-          </a:p>
-        </p:txBody>
-      </p:sp>
-      <p:sp>
-        <p:nvSpPr>
-          <p:cNvPr id="6" name="Rectangle 5">
-            <a:extLst>
-              <a:ext uri="{FF2B5EF4-FFF2-40B4-BE49-F238E27FC236}">
-                <a16:creationId xmlns:a16="http://schemas.microsoft.com/office/drawing/2014/main" id="{3EDA80FD-DFFC-4DFD-964F-4756240749A4}"/>
-              </a:ext>
-            </a:extLst>
-          </p:cNvPr>
-          <p:cNvSpPr/>
-          <p:nvPr/>
-        </p:nvSpPr>
-        <p:spPr>
-          <a:xfrm>
-            <a:off x="242815" y="5131206"/>
-            <a:ext cx="8528347" cy="1200329"/>
-          </a:xfrm>
-          <a:prstGeom prst="rect">
-            <a:avLst/>
-          </a:prstGeom>
-        </p:spPr>
-        <p:txBody>
-          <a:bodyPr wrap="square">
-            <a:spAutoFit/>
-          </a:bodyPr>
-          <a:lstStyle/>
-          <a:p>
-            <a:endParaRPr lang="en-IN" sz="1200" dirty="0"/>
-          </a:p>
-          <a:p>
-            <a:r>
-              <a:rPr lang="en-IN" sz="1200" dirty="0" err="1"/>
-              <a:t>onTrigger</a:t>
-            </a:r>
-            <a:r>
-              <a:rPr lang="en-IN" sz="1200" dirty="0"/>
-              <a:t>: console.log("trigger signal emitted")</a:t>
-            </a:r>
-          </a:p>
-          <a:p>
-            <a:r>
-              <a:rPr lang="en-IN" sz="1200" dirty="0" err="1"/>
-              <a:t>onSend</a:t>
-            </a:r>
-            <a:r>
-              <a:rPr lang="en-IN" sz="1200" dirty="0"/>
-              <a:t>:  {</a:t>
-            </a:r>
-          </a:p>
-          <a:p>
-            <a:r>
-              <a:rPr lang="en-IN" sz="1200" dirty="0"/>
-              <a:t>    console.log("send signal emitted with notice: " + notice)</a:t>
-            </a:r>
-          </a:p>
-          <a:p>
-            <a:r>
-              <a:rPr lang="en-IN" sz="1200" dirty="0"/>
-              <a:t>}</a:t>
-            </a:r>
-          </a:p>
-          <a:p>
-            <a:r>
-              <a:rPr lang="en-IN" sz="1200" dirty="0" err="1"/>
-              <a:t>onPerform</a:t>
-            </a:r>
-            <a:r>
-              <a:rPr lang="en-IN" sz="1200" dirty="0"/>
-              <a:t>: console.log("perform signal emitted")</a:t>
-            </a:r>
-          </a:p>
-        </p:txBody>
-      </p:sp>
-    </p:spTree>
-    <p:extLst>
-      <p:ext uri="{BB962C8B-B14F-4D97-AF65-F5344CB8AC3E}">
-        <p14:creationId xmlns:p14="http://schemas.microsoft.com/office/powerpoint/2010/main" val="1171712604"/>
       </p:ext>
     </p:extLst>
   </p:cSld>
